--- a/A question of state.pptx
+++ b/A question of state.pptx
@@ -9,6 +9,9 @@
     <p:sldId id="257" r:id="rId3"/>
     <p:sldId id="258" r:id="rId4"/>
     <p:sldId id="259" r:id="rId5"/>
+    <p:sldId id="260" r:id="rId6"/>
+    <p:sldId id="261" r:id="rId7"/>
+    <p:sldId id="262" r:id="rId8"/>
   </p:sldIdLst>
   <p:sldSz cx="12192000" cy="6858000"/>
   <p:notesSz cx="6858000" cy="9144000"/>
@@ -107,6 +110,11 @@
       </a:defRPr>
     </a:lvl9pPr>
   </p:defaultTextStyle>
+  <p:extLst>
+    <p:ext uri="{EFAFB233-063F-42B5-8137-9DF3F51BA10A}">
+      <p15:sldGuideLst xmlns:p15="http://schemas.microsoft.com/office/powerpoint/2012/main"/>
+    </p:ext>
+  </p:extLst>
 </p:presentation>
 </file>
 
@@ -259,7 +267,7 @@
           <a:p>
             <a:fld id="{937972C6-B185-4251-B50B-52880A15AD10}" type="datetimeFigureOut">
               <a:rPr lang="en-IE" smtClean="0"/>
-              <a:t>18/09/2018</a:t>
+              <a:t>09/09/2020</a:t>
             </a:fld>
             <a:endParaRPr lang="en-IE"/>
           </a:p>
@@ -459,7 +467,7 @@
           <a:p>
             <a:fld id="{937972C6-B185-4251-B50B-52880A15AD10}" type="datetimeFigureOut">
               <a:rPr lang="en-IE" smtClean="0"/>
-              <a:t>18/09/2018</a:t>
+              <a:t>09/09/2020</a:t>
             </a:fld>
             <a:endParaRPr lang="en-IE"/>
           </a:p>
@@ -669,7 +677,7 @@
           <a:p>
             <a:fld id="{937972C6-B185-4251-B50B-52880A15AD10}" type="datetimeFigureOut">
               <a:rPr lang="en-IE" smtClean="0"/>
-              <a:t>18/09/2018</a:t>
+              <a:t>09/09/2020</a:t>
             </a:fld>
             <a:endParaRPr lang="en-IE"/>
           </a:p>
@@ -869,7 +877,7 @@
           <a:p>
             <a:fld id="{937972C6-B185-4251-B50B-52880A15AD10}" type="datetimeFigureOut">
               <a:rPr lang="en-IE" smtClean="0"/>
-              <a:t>18/09/2018</a:t>
+              <a:t>09/09/2020</a:t>
             </a:fld>
             <a:endParaRPr lang="en-IE"/>
           </a:p>
@@ -1145,7 +1153,7 @@
           <a:p>
             <a:fld id="{937972C6-B185-4251-B50B-52880A15AD10}" type="datetimeFigureOut">
               <a:rPr lang="en-IE" smtClean="0"/>
-              <a:t>18/09/2018</a:t>
+              <a:t>09/09/2020</a:t>
             </a:fld>
             <a:endParaRPr lang="en-IE"/>
           </a:p>
@@ -1413,7 +1421,7 @@
           <a:p>
             <a:fld id="{937972C6-B185-4251-B50B-52880A15AD10}" type="datetimeFigureOut">
               <a:rPr lang="en-IE" smtClean="0"/>
-              <a:t>18/09/2018</a:t>
+              <a:t>09/09/2020</a:t>
             </a:fld>
             <a:endParaRPr lang="en-IE"/>
           </a:p>
@@ -1828,7 +1836,7 @@
           <a:p>
             <a:fld id="{937972C6-B185-4251-B50B-52880A15AD10}" type="datetimeFigureOut">
               <a:rPr lang="en-IE" smtClean="0"/>
-              <a:t>18/09/2018</a:t>
+              <a:t>09/09/2020</a:t>
             </a:fld>
             <a:endParaRPr lang="en-IE"/>
           </a:p>
@@ -1970,7 +1978,7 @@
           <a:p>
             <a:fld id="{937972C6-B185-4251-B50B-52880A15AD10}" type="datetimeFigureOut">
               <a:rPr lang="en-IE" smtClean="0"/>
-              <a:t>18/09/2018</a:t>
+              <a:t>09/09/2020</a:t>
             </a:fld>
             <a:endParaRPr lang="en-IE"/>
           </a:p>
@@ -2083,7 +2091,7 @@
           <a:p>
             <a:fld id="{937972C6-B185-4251-B50B-52880A15AD10}" type="datetimeFigureOut">
               <a:rPr lang="en-IE" smtClean="0"/>
-              <a:t>18/09/2018</a:t>
+              <a:t>09/09/2020</a:t>
             </a:fld>
             <a:endParaRPr lang="en-IE"/>
           </a:p>
@@ -2396,7 +2404,7 @@
           <a:p>
             <a:fld id="{937972C6-B185-4251-B50B-52880A15AD10}" type="datetimeFigureOut">
               <a:rPr lang="en-IE" smtClean="0"/>
-              <a:t>18/09/2018</a:t>
+              <a:t>09/09/2020</a:t>
             </a:fld>
             <a:endParaRPr lang="en-IE"/>
           </a:p>
@@ -2685,7 +2693,7 @@
           <a:p>
             <a:fld id="{937972C6-B185-4251-B50B-52880A15AD10}" type="datetimeFigureOut">
               <a:rPr lang="en-IE" smtClean="0"/>
-              <a:t>18/09/2018</a:t>
+              <a:t>09/09/2020</a:t>
             </a:fld>
             <a:endParaRPr lang="en-IE"/>
           </a:p>
@@ -2928,7 +2936,7 @@
           <a:p>
             <a:fld id="{937972C6-B185-4251-B50B-52880A15AD10}" type="datetimeFigureOut">
               <a:rPr lang="en-IE" smtClean="0"/>
-              <a:t>18/09/2018</a:t>
+              <a:t>09/09/2020</a:t>
             </a:fld>
             <a:endParaRPr lang="en-IE"/>
           </a:p>
@@ -3345,62 +3353,6 @@
           <a:chExt cx="0" cy="0"/>
         </a:xfrm>
       </p:grpSpPr>
-      <p:sp>
-        <p:nvSpPr>
-          <p:cNvPr id="2" name="Title 1">
-            <a:extLst>
-              <a:ext uri="{FF2B5EF4-FFF2-40B4-BE49-F238E27FC236}">
-                <a16:creationId xmlns:a16="http://schemas.microsoft.com/office/drawing/2014/main" id="{9CD083B8-A8FC-4CC8-B9A9-57A7AAF23329}"/>
-              </a:ext>
-            </a:extLst>
-          </p:cNvPr>
-          <p:cNvSpPr>
-            <a:spLocks noGrp="1"/>
-          </p:cNvSpPr>
-          <p:nvPr>
-            <p:ph type="ctrTitle"/>
-          </p:nvPr>
-        </p:nvSpPr>
-        <p:spPr/>
-        <p:txBody>
-          <a:bodyPr/>
-          <a:lstStyle/>
-          <a:p>
-            <a:r>
-              <a:rPr lang="en-IE" dirty="0"/>
-              <a:t>A question of state</a:t>
-            </a:r>
-          </a:p>
-        </p:txBody>
-      </p:sp>
-      <p:sp>
-        <p:nvSpPr>
-          <p:cNvPr id="3" name="Subtitle 2">
-            <a:extLst>
-              <a:ext uri="{FF2B5EF4-FFF2-40B4-BE49-F238E27FC236}">
-                <a16:creationId xmlns:a16="http://schemas.microsoft.com/office/drawing/2014/main" id="{E32D1EEA-D230-42D0-B164-C26D562233E0}"/>
-              </a:ext>
-            </a:extLst>
-          </p:cNvPr>
-          <p:cNvSpPr>
-            <a:spLocks noGrp="1"/>
-          </p:cNvSpPr>
-          <p:nvPr>
-            <p:ph type="subTitle" idx="1"/>
-          </p:nvPr>
-        </p:nvSpPr>
-        <p:spPr/>
-        <p:txBody>
-          <a:bodyPr/>
-          <a:lstStyle/>
-          <a:p>
-            <a:r>
-              <a:rPr lang="en-IE" dirty="0"/>
-              <a:t>What does “state” mean in a distributed / microservices architecture</a:t>
-            </a:r>
-          </a:p>
-        </p:txBody>
-      </p:sp>
       <p:pic>
         <p:nvPicPr>
           <p:cNvPr id="5" name="Picture 4">
@@ -3432,14 +3384,79 @@
         </p:blipFill>
         <p:spPr>
           <a:xfrm>
-            <a:off x="10101864" y="4380705"/>
-            <a:ext cx="1952612" cy="2387600"/>
+            <a:off x="9043332" y="3086361"/>
+            <a:ext cx="3011144" cy="3681944"/>
           </a:xfrm>
           <a:prstGeom prst="rect">
             <a:avLst/>
           </a:prstGeom>
         </p:spPr>
       </p:pic>
+      <p:sp>
+        <p:nvSpPr>
+          <p:cNvPr id="2" name="Title 1">
+            <a:extLst>
+              <a:ext uri="{FF2B5EF4-FFF2-40B4-BE49-F238E27FC236}">
+                <a16:creationId xmlns:a16="http://schemas.microsoft.com/office/drawing/2014/main" id="{9CD083B8-A8FC-4CC8-B9A9-57A7AAF23329}"/>
+              </a:ext>
+            </a:extLst>
+          </p:cNvPr>
+          <p:cNvSpPr>
+            <a:spLocks noGrp="1"/>
+          </p:cNvSpPr>
+          <p:nvPr>
+            <p:ph type="ctrTitle"/>
+          </p:nvPr>
+        </p:nvSpPr>
+        <p:spPr/>
+        <p:txBody>
+          <a:bodyPr/>
+          <a:lstStyle/>
+          <a:p>
+            <a:r>
+              <a:rPr lang="en-IE" dirty="0"/>
+              <a:t>There is no such thing as </a:t>
+            </a:r>
+            <a:r>
+              <a:rPr lang="en-IE" b="1" dirty="0"/>
+              <a:t>now</a:t>
+            </a:r>
+          </a:p>
+        </p:txBody>
+      </p:sp>
+      <p:sp>
+        <p:nvSpPr>
+          <p:cNvPr id="3" name="Subtitle 2">
+            <a:extLst>
+              <a:ext uri="{FF2B5EF4-FFF2-40B4-BE49-F238E27FC236}">
+                <a16:creationId xmlns:a16="http://schemas.microsoft.com/office/drawing/2014/main" id="{E32D1EEA-D230-42D0-B164-C26D562233E0}"/>
+              </a:ext>
+            </a:extLst>
+          </p:cNvPr>
+          <p:cNvSpPr>
+            <a:spLocks noGrp="1"/>
+          </p:cNvSpPr>
+          <p:nvPr>
+            <p:ph type="subTitle" idx="1"/>
+          </p:nvPr>
+        </p:nvSpPr>
+        <p:spPr>
+          <a:xfrm>
+            <a:off x="1524000" y="4085439"/>
+            <a:ext cx="9144000" cy="570452"/>
+          </a:xfrm>
+        </p:spPr>
+        <p:txBody>
+          <a:bodyPr/>
+          <a:lstStyle/>
+          <a:p>
+            <a:r>
+              <a:rPr lang="en-IE" dirty="0"/>
+              <a:t>What does “state” mean in a distributed / microservices architecture</a:t>
+            </a:r>
+          </a:p>
+        </p:txBody>
+      </p:sp>
     </p:spTree>
     <p:extLst>
       <p:ext uri="{BB962C8B-B14F-4D97-AF65-F5344CB8AC3E}">
@@ -3566,8 +3583,8 @@
         </p:nvSpPr>
         <p:spPr>
           <a:xfrm>
-            <a:off x="6391372" y="2026763"/>
-            <a:ext cx="3384581" cy="369332"/>
+            <a:off x="6096000" y="2177838"/>
+            <a:ext cx="5149358" cy="523220"/>
           </a:xfrm>
           <a:prstGeom prst="rect">
             <a:avLst/>
@@ -3581,7 +3598,7 @@
           <a:lstStyle/>
           <a:p>
             <a:r>
-              <a:rPr lang="en-IE" dirty="0"/>
+              <a:rPr lang="en-IE" sz="2800" dirty="0"/>
               <a:t>* Well defined unambiguous state</a:t>
             </a:r>
           </a:p>
@@ -3699,6 +3716,41 @@
           </a:prstGeom>
         </p:spPr>
       </p:pic>
+      <p:sp>
+        <p:nvSpPr>
+          <p:cNvPr id="3" name="TextBox 2">
+            <a:extLst>
+              <a:ext uri="{FF2B5EF4-FFF2-40B4-BE49-F238E27FC236}">
+                <a16:creationId xmlns:a16="http://schemas.microsoft.com/office/drawing/2014/main" id="{B1B1BF72-7EEC-4134-9144-12DA039CF3ED}"/>
+              </a:ext>
+            </a:extLst>
+          </p:cNvPr>
+          <p:cNvSpPr txBox="1"/>
+          <p:nvPr/>
+        </p:nvSpPr>
+        <p:spPr>
+          <a:xfrm>
+            <a:off x="5277329" y="2161935"/>
+            <a:ext cx="6303842" cy="523220"/>
+          </a:xfrm>
+          <a:prstGeom prst="rect">
+            <a:avLst/>
+          </a:prstGeom>
+          <a:noFill/>
+        </p:spPr>
+        <p:txBody>
+          <a:bodyPr wrap="none" rtlCol="0">
+            <a:spAutoFit/>
+          </a:bodyPr>
+          <a:lstStyle/>
+          <a:p>
+            <a:r>
+              <a:rPr lang="en-IE" sz="2800" dirty="0"/>
+              <a:t>* Some hiding and/or aggregation of state</a:t>
+            </a:r>
+          </a:p>
+        </p:txBody>
+      </p:sp>
     </p:spTree>
     <p:extLst>
       <p:ext uri="{BB962C8B-B14F-4D97-AF65-F5344CB8AC3E}">
@@ -3811,6 +3863,104 @@
           </a:prstGeom>
         </p:spPr>
       </p:pic>
+      <p:sp>
+        <p:nvSpPr>
+          <p:cNvPr id="3" name="TextBox 2">
+            <a:extLst>
+              <a:ext uri="{FF2B5EF4-FFF2-40B4-BE49-F238E27FC236}">
+                <a16:creationId xmlns:a16="http://schemas.microsoft.com/office/drawing/2014/main" id="{BB96C008-2D2A-4106-9319-B22C56B92F85}"/>
+              </a:ext>
+            </a:extLst>
+          </p:cNvPr>
+          <p:cNvSpPr txBox="1"/>
+          <p:nvPr/>
+        </p:nvSpPr>
+        <p:spPr>
+          <a:xfrm>
+            <a:off x="6438883" y="2209643"/>
+            <a:ext cx="3508268" cy="523220"/>
+          </a:xfrm>
+          <a:prstGeom prst="rect">
+            <a:avLst/>
+          </a:prstGeom>
+          <a:noFill/>
+        </p:spPr>
+        <p:txBody>
+          <a:bodyPr wrap="none" rtlCol="0">
+            <a:spAutoFit/>
+          </a:bodyPr>
+          <a:lstStyle/>
+          <a:p>
+            <a:r>
+              <a:rPr lang="en-IE" sz="2800" dirty="0"/>
+              <a:t>* Is there a state here?</a:t>
+            </a:r>
+          </a:p>
+        </p:txBody>
+      </p:sp>
+      <p:sp>
+        <p:nvSpPr>
+          <p:cNvPr id="6" name="Rectangle 5">
+            <a:extLst>
+              <a:ext uri="{FF2B5EF4-FFF2-40B4-BE49-F238E27FC236}">
+                <a16:creationId xmlns:a16="http://schemas.microsoft.com/office/drawing/2014/main" id="{190EE31A-5CB9-4B8B-9879-78A55035ED1C}"/>
+              </a:ext>
+            </a:extLst>
+          </p:cNvPr>
+          <p:cNvSpPr/>
+          <p:nvPr/>
+        </p:nvSpPr>
+        <p:spPr>
+          <a:xfrm>
+            <a:off x="6168551" y="3237678"/>
+            <a:ext cx="3778600" cy="923330"/>
+          </a:xfrm>
+          <a:prstGeom prst="rect">
+            <a:avLst/>
+          </a:prstGeom>
+          <a:noFill/>
+        </p:spPr>
+        <p:txBody>
+          <a:bodyPr wrap="none" lIns="91440" tIns="45720" rIns="91440" bIns="45720">
+            <a:spAutoFit/>
+          </a:bodyPr>
+          <a:lstStyle/>
+          <a:p>
+            <a:pPr algn="ctr"/>
+            <a:r>
+              <a:rPr lang="en-US" sz="5400" b="1" cap="none" spc="0" dirty="0">
+                <a:ln w="12700">
+                  <a:solidFill>
+                    <a:schemeClr val="tx2">
+                      <a:lumMod val="75000"/>
+                    </a:schemeClr>
+                  </a:solidFill>
+                  <a:prstDash val="solid"/>
+                </a:ln>
+                <a:pattFill prst="dkUpDiag">
+                  <a:fgClr>
+                    <a:schemeClr val="tx2"/>
+                  </a:fgClr>
+                  <a:bgClr>
+                    <a:schemeClr val="tx2">
+                      <a:lumMod val="20000"/>
+                      <a:lumOff val="80000"/>
+                    </a:schemeClr>
+                  </a:bgClr>
+                </a:pattFill>
+                <a:effectLst>
+                  <a:outerShdw dist="38100" dir="2640000" algn="bl" rotWithShape="0">
+                    <a:schemeClr val="tx2">
+                      <a:lumMod val="75000"/>
+                    </a:schemeClr>
+                  </a:outerShdw>
+                </a:effectLst>
+              </a:rPr>
+              <a:t>It depends…</a:t>
+            </a:r>
+          </a:p>
+        </p:txBody>
+      </p:sp>
     </p:spTree>
     <p:extLst>
       <p:ext uri="{BB962C8B-B14F-4D97-AF65-F5344CB8AC3E}">
@@ -3821,6 +3971,773 @@
   <p:clrMapOvr>
     <a:masterClrMapping/>
   </p:clrMapOvr>
+  <p:timing>
+    <p:tnLst>
+      <p:par>
+        <p:cTn id="1" dur="indefinite" restart="never" nodeType="tmRoot">
+          <p:childTnLst>
+            <p:seq concurrent="1" nextAc="seek">
+              <p:cTn id="2" dur="indefinite" nodeType="mainSeq">
+                <p:childTnLst>
+                  <p:par>
+                    <p:cTn id="3" fill="hold">
+                      <p:stCondLst>
+                        <p:cond delay="indefinite"/>
+                      </p:stCondLst>
+                      <p:childTnLst>
+                        <p:par>
+                          <p:cTn id="4" fill="hold">
+                            <p:stCondLst>
+                              <p:cond delay="0"/>
+                            </p:stCondLst>
+                            <p:childTnLst>
+                              <p:par>
+                                <p:cTn id="5" presetID="1" presetClass="entr" presetSubtype="0" fill="hold" grpId="0" nodeType="clickEffect">
+                                  <p:stCondLst>
+                                    <p:cond delay="0"/>
+                                  </p:stCondLst>
+                                  <p:childTnLst>
+                                    <p:set>
+                                      <p:cBhvr>
+                                        <p:cTn id="6" dur="1" fill="hold">
+                                          <p:stCondLst>
+                                            <p:cond delay="0"/>
+                                          </p:stCondLst>
+                                        </p:cTn>
+                                        <p:tgtEl>
+                                          <p:spTgt spid="6"/>
+                                        </p:tgtEl>
+                                        <p:attrNameLst>
+                                          <p:attrName>style.visibility</p:attrName>
+                                        </p:attrNameLst>
+                                      </p:cBhvr>
+                                      <p:to>
+                                        <p:strVal val="visible"/>
+                                      </p:to>
+                                    </p:set>
+                                  </p:childTnLst>
+                                </p:cTn>
+                              </p:par>
+                            </p:childTnLst>
+                          </p:cTn>
+                        </p:par>
+                      </p:childTnLst>
+                    </p:cTn>
+                  </p:par>
+                </p:childTnLst>
+              </p:cTn>
+              <p:prevCondLst>
+                <p:cond evt="onPrev" delay="0">
+                  <p:tgtEl>
+                    <p:sldTgt/>
+                  </p:tgtEl>
+                </p:cond>
+              </p:prevCondLst>
+              <p:nextCondLst>
+                <p:cond evt="onNext" delay="0">
+                  <p:tgtEl>
+                    <p:sldTgt/>
+                  </p:tgtEl>
+                </p:cond>
+              </p:nextCondLst>
+            </p:seq>
+          </p:childTnLst>
+        </p:cTn>
+      </p:par>
+    </p:tnLst>
+    <p:bldLst>
+      <p:bldP spid="6" grpId="0"/>
+    </p:bldLst>
+  </p:timing>
+</p:sld>
+</file>
+
+<file path=ppt/slides/slide5.xml><?xml version="1.0" encoding="utf-8"?>
+<p:sld xmlns:a="http://schemas.openxmlformats.org/drawingml/2006/main" xmlns:r="http://schemas.openxmlformats.org/officeDocument/2006/relationships" xmlns:p="http://schemas.openxmlformats.org/presentationml/2006/main">
+  <p:cSld>
+    <p:bg>
+      <p:bgPr>
+        <a:solidFill>
+          <a:schemeClr val="bg1"/>
+        </a:solidFill>
+        <a:effectLst/>
+      </p:bgPr>
+    </p:bg>
+    <p:spTree>
+      <p:nvGrpSpPr>
+        <p:cNvPr id="1" name=""/>
+        <p:cNvGrpSpPr/>
+        <p:nvPr/>
+      </p:nvGrpSpPr>
+      <p:grpSpPr>
+        <a:xfrm>
+          <a:off x="0" y="0"/>
+          <a:ext cx="0" cy="0"/>
+          <a:chOff x="0" y="0"/>
+          <a:chExt cx="0" cy="0"/>
+        </a:xfrm>
+      </p:grpSpPr>
+      <p:sp>
+        <p:nvSpPr>
+          <p:cNvPr id="2" name="Title 1">
+            <a:extLst>
+              <a:ext uri="{FF2B5EF4-FFF2-40B4-BE49-F238E27FC236}">
+                <a16:creationId xmlns:a16="http://schemas.microsoft.com/office/drawing/2014/main" id="{F30AAB96-CCD4-4369-A474-09BB16F616DD}"/>
+              </a:ext>
+            </a:extLst>
+          </p:cNvPr>
+          <p:cNvSpPr>
+            <a:spLocks noGrp="1"/>
+          </p:cNvSpPr>
+          <p:nvPr>
+            <p:ph type="title"/>
+          </p:nvPr>
+        </p:nvSpPr>
+        <p:spPr>
+          <a:xfrm>
+            <a:off x="5277329" y="640081"/>
+            <a:ext cx="6274590" cy="934196"/>
+          </a:xfrm>
+          <a:noFill/>
+        </p:spPr>
+        <p:txBody>
+          <a:bodyPr vert="horz" lIns="91440" tIns="45720" rIns="91440" bIns="45720" rtlCol="0" anchor="b">
+            <a:normAutofit fontScale="90000"/>
+          </a:bodyPr>
+          <a:lstStyle/>
+          <a:p>
+            <a:r>
+              <a:rPr lang="en-US" sz="6000" dirty="0"/>
+              <a:t>“Time” the disruptor</a:t>
+            </a:r>
+          </a:p>
+        </p:txBody>
+      </p:sp>
+      <p:pic>
+        <p:nvPicPr>
+          <p:cNvPr id="4" name="Picture 3">
+            <a:extLst>
+              <a:ext uri="{FF2B5EF4-FFF2-40B4-BE49-F238E27FC236}">
+                <a16:creationId xmlns:a16="http://schemas.microsoft.com/office/drawing/2014/main" id="{19D09908-0230-4C7E-ABD1-455A6AE7EF52}"/>
+              </a:ext>
+            </a:extLst>
+          </p:cNvPr>
+          <p:cNvPicPr>
+            <a:picLocks noChangeAspect="1"/>
+          </p:cNvPicPr>
+          <p:nvPr/>
+        </p:nvPicPr>
+        <p:blipFill>
+          <a:blip r:embed="rId2">
+            <a:extLst>
+              <a:ext uri="{28A0092B-C50C-407E-A947-70E740481C1C}">
+                <a14:useLocalDpi xmlns:a14="http://schemas.microsoft.com/office/drawing/2010/main" val="0"/>
+              </a:ext>
+              <a:ext uri="{837473B0-CC2E-450A-ABE3-18F120FF3D39}">
+                <a1611:picAttrSrcUrl xmlns:a1611="http://schemas.microsoft.com/office/drawing/2016/11/main" r:id="rId3"/>
+              </a:ext>
+            </a:extLst>
+          </a:blip>
+          <a:srcRect/>
+          <a:stretch/>
+        </p:blipFill>
+        <p:spPr>
+          <a:xfrm>
+            <a:off x="0" y="-65988"/>
+            <a:ext cx="4590853" cy="6994689"/>
+          </a:xfrm>
+          <a:prstGeom prst="rect">
+            <a:avLst/>
+          </a:prstGeom>
+        </p:spPr>
+      </p:pic>
+      <p:sp>
+        <p:nvSpPr>
+          <p:cNvPr id="7" name="TextBox 6">
+            <a:extLst>
+              <a:ext uri="{FF2B5EF4-FFF2-40B4-BE49-F238E27FC236}">
+                <a16:creationId xmlns:a16="http://schemas.microsoft.com/office/drawing/2014/main" id="{66C2BC82-CA80-48DF-8CFB-A322442DD6EC}"/>
+              </a:ext>
+            </a:extLst>
+          </p:cNvPr>
+          <p:cNvSpPr txBox="1"/>
+          <p:nvPr/>
+        </p:nvSpPr>
+        <p:spPr>
+          <a:xfrm>
+            <a:off x="5104574" y="2026325"/>
+            <a:ext cx="4859600" cy="954107"/>
+          </a:xfrm>
+          <a:prstGeom prst="rect">
+            <a:avLst/>
+          </a:prstGeom>
+          <a:noFill/>
+        </p:spPr>
+        <p:txBody>
+          <a:bodyPr wrap="none" rtlCol="0">
+            <a:spAutoFit/>
+          </a:bodyPr>
+          <a:lstStyle/>
+          <a:p>
+            <a:pPr marL="457200" indent="-457200">
+              <a:buFont typeface="Arial" panose="020B0604020202020204" pitchFamily="34" charset="0"/>
+              <a:buChar char="•"/>
+            </a:pPr>
+            <a:r>
+              <a:rPr lang="en-IE" sz="2800" dirty="0"/>
+              <a:t>The state may have changed,</a:t>
+            </a:r>
+          </a:p>
+          <a:p>
+            <a:r>
+              <a:rPr lang="en-IE" sz="2800" dirty="0"/>
+              <a:t>      </a:t>
+            </a:r>
+            <a:r>
+              <a:rPr lang="en-IE" sz="2800" i="1" dirty="0"/>
+              <a:t>while you were observing it</a:t>
+            </a:r>
+          </a:p>
+        </p:txBody>
+      </p:sp>
+    </p:spTree>
+    <p:extLst>
+      <p:ext uri="{BB962C8B-B14F-4D97-AF65-F5344CB8AC3E}">
+        <p14:creationId xmlns:p14="http://schemas.microsoft.com/office/powerpoint/2010/main" val="3129886948"/>
+      </p:ext>
+    </p:extLst>
+  </p:cSld>
+  <p:clrMapOvr>
+    <a:masterClrMapping/>
+  </p:clrMapOvr>
+</p:sld>
+</file>
+
+<file path=ppt/slides/slide6.xml><?xml version="1.0" encoding="utf-8"?>
+<p:sld xmlns:a="http://schemas.openxmlformats.org/drawingml/2006/main" xmlns:r="http://schemas.openxmlformats.org/officeDocument/2006/relationships" xmlns:p="http://schemas.openxmlformats.org/presentationml/2006/main">
+  <p:cSld>
+    <p:bg>
+      <p:bgPr>
+        <a:solidFill>
+          <a:schemeClr val="bg1"/>
+        </a:solidFill>
+        <a:effectLst/>
+      </p:bgPr>
+    </p:bg>
+    <p:spTree>
+      <p:nvGrpSpPr>
+        <p:cNvPr id="1" name=""/>
+        <p:cNvGrpSpPr/>
+        <p:nvPr/>
+      </p:nvGrpSpPr>
+      <p:grpSpPr>
+        <a:xfrm>
+          <a:off x="0" y="0"/>
+          <a:ext cx="0" cy="0"/>
+          <a:chOff x="0" y="0"/>
+          <a:chExt cx="0" cy="0"/>
+        </a:xfrm>
+      </p:grpSpPr>
+      <p:sp>
+        <p:nvSpPr>
+          <p:cNvPr id="2" name="Title 1">
+            <a:extLst>
+              <a:ext uri="{FF2B5EF4-FFF2-40B4-BE49-F238E27FC236}">
+                <a16:creationId xmlns:a16="http://schemas.microsoft.com/office/drawing/2014/main" id="{F30AAB96-CCD4-4369-A474-09BB16F616DD}"/>
+              </a:ext>
+            </a:extLst>
+          </p:cNvPr>
+          <p:cNvSpPr>
+            <a:spLocks noGrp="1"/>
+          </p:cNvSpPr>
+          <p:nvPr>
+            <p:ph type="title"/>
+          </p:nvPr>
+        </p:nvSpPr>
+        <p:spPr>
+          <a:xfrm>
+            <a:off x="5277329" y="640081"/>
+            <a:ext cx="6274590" cy="934196"/>
+          </a:xfrm>
+          <a:noFill/>
+        </p:spPr>
+        <p:txBody>
+          <a:bodyPr vert="horz" lIns="91440" tIns="45720" rIns="91440" bIns="45720" rtlCol="0" anchor="b">
+            <a:normAutofit fontScale="90000"/>
+          </a:bodyPr>
+          <a:lstStyle/>
+          <a:p>
+            <a:r>
+              <a:rPr lang="en-US" sz="6000" dirty="0"/>
+              <a:t>The “hotel room” example</a:t>
+            </a:r>
+          </a:p>
+        </p:txBody>
+      </p:sp>
+      <p:pic>
+        <p:nvPicPr>
+          <p:cNvPr id="4" name="Picture 3">
+            <a:extLst>
+              <a:ext uri="{FF2B5EF4-FFF2-40B4-BE49-F238E27FC236}">
+                <a16:creationId xmlns:a16="http://schemas.microsoft.com/office/drawing/2014/main" id="{19D09908-0230-4C7E-ABD1-455A6AE7EF52}"/>
+              </a:ext>
+            </a:extLst>
+          </p:cNvPr>
+          <p:cNvPicPr>
+            <a:picLocks noChangeAspect="1"/>
+          </p:cNvPicPr>
+          <p:nvPr/>
+        </p:nvPicPr>
+        <p:blipFill>
+          <a:blip r:embed="rId2">
+            <a:extLst>
+              <a:ext uri="{28A0092B-C50C-407E-A947-70E740481C1C}">
+                <a14:useLocalDpi xmlns:a14="http://schemas.microsoft.com/office/drawing/2010/main" val="0"/>
+              </a:ext>
+              <a:ext uri="{837473B0-CC2E-450A-ABE3-18F120FF3D39}">
+                <a1611:picAttrSrcUrl xmlns:a1611="http://schemas.microsoft.com/office/drawing/2016/11/main" r:id="rId3"/>
+              </a:ext>
+            </a:extLst>
+          </a:blip>
+          <a:srcRect/>
+          <a:stretch/>
+        </p:blipFill>
+        <p:spPr>
+          <a:xfrm>
+            <a:off x="0" y="0"/>
+            <a:ext cx="4590853" cy="6858000"/>
+          </a:xfrm>
+          <a:prstGeom prst="rect">
+            <a:avLst/>
+          </a:prstGeom>
+        </p:spPr>
+      </p:pic>
+    </p:spTree>
+    <p:extLst>
+      <p:ext uri="{BB962C8B-B14F-4D97-AF65-F5344CB8AC3E}">
+        <p14:creationId xmlns:p14="http://schemas.microsoft.com/office/powerpoint/2010/main" val="888320221"/>
+      </p:ext>
+    </p:extLst>
+  </p:cSld>
+  <p:clrMapOvr>
+    <a:masterClrMapping/>
+  </p:clrMapOvr>
+</p:sld>
+</file>
+
+<file path=ppt/slides/slide7.xml><?xml version="1.0" encoding="utf-8"?>
+<p:sld xmlns:a="http://schemas.openxmlformats.org/drawingml/2006/main" xmlns:r="http://schemas.openxmlformats.org/officeDocument/2006/relationships" xmlns:p="http://schemas.openxmlformats.org/presentationml/2006/main">
+  <p:cSld>
+    <p:bg>
+      <p:bgPr>
+        <a:solidFill>
+          <a:schemeClr val="bg1"/>
+        </a:solidFill>
+        <a:effectLst/>
+      </p:bgPr>
+    </p:bg>
+    <p:spTree>
+      <p:nvGrpSpPr>
+        <p:cNvPr id="1" name=""/>
+        <p:cNvGrpSpPr/>
+        <p:nvPr/>
+      </p:nvGrpSpPr>
+      <p:grpSpPr>
+        <a:xfrm>
+          <a:off x="0" y="0"/>
+          <a:ext cx="0" cy="0"/>
+          <a:chOff x="0" y="0"/>
+          <a:chExt cx="0" cy="0"/>
+        </a:xfrm>
+      </p:grpSpPr>
+      <p:sp>
+        <p:nvSpPr>
+          <p:cNvPr id="5" name="Rectangle 4">
+            <a:extLst>
+              <a:ext uri="{FF2B5EF4-FFF2-40B4-BE49-F238E27FC236}">
+                <a16:creationId xmlns:a16="http://schemas.microsoft.com/office/drawing/2014/main" id="{1D039B37-6445-4BE2-AE50-3871E682B3A9}"/>
+              </a:ext>
+            </a:extLst>
+          </p:cNvPr>
+          <p:cNvSpPr/>
+          <p:nvPr/>
+        </p:nvSpPr>
+        <p:spPr>
+          <a:xfrm>
+            <a:off x="0" y="0"/>
+            <a:ext cx="4590853" cy="6858000"/>
+          </a:xfrm>
+          <a:prstGeom prst="rect">
+            <a:avLst/>
+          </a:prstGeom>
+        </p:spPr>
+        <p:style>
+          <a:lnRef idx="2">
+            <a:schemeClr val="dk1">
+              <a:shade val="50000"/>
+            </a:schemeClr>
+          </a:lnRef>
+          <a:fillRef idx="1">
+            <a:schemeClr val="dk1"/>
+          </a:fillRef>
+          <a:effectRef idx="0">
+            <a:schemeClr val="dk1"/>
+          </a:effectRef>
+          <a:fontRef idx="minor">
+            <a:schemeClr val="lt1"/>
+          </a:fontRef>
+        </p:style>
+        <p:txBody>
+          <a:bodyPr rtlCol="0" anchor="ctr"/>
+          <a:lstStyle/>
+          <a:p>
+            <a:pPr algn="ctr"/>
+            <a:endParaRPr lang="en-GB"/>
+          </a:p>
+        </p:txBody>
+      </p:sp>
+      <p:sp>
+        <p:nvSpPr>
+          <p:cNvPr id="2" name="Title 1">
+            <a:extLst>
+              <a:ext uri="{FF2B5EF4-FFF2-40B4-BE49-F238E27FC236}">
+                <a16:creationId xmlns:a16="http://schemas.microsoft.com/office/drawing/2014/main" id="{F30AAB96-CCD4-4369-A474-09BB16F616DD}"/>
+              </a:ext>
+            </a:extLst>
+          </p:cNvPr>
+          <p:cNvSpPr>
+            <a:spLocks noGrp="1"/>
+          </p:cNvSpPr>
+          <p:nvPr>
+            <p:ph type="title"/>
+          </p:nvPr>
+        </p:nvSpPr>
+        <p:spPr>
+          <a:xfrm>
+            <a:off x="5277329" y="640081"/>
+            <a:ext cx="6274590" cy="934196"/>
+          </a:xfrm>
+          <a:noFill/>
+        </p:spPr>
+        <p:txBody>
+          <a:bodyPr vert="horz" lIns="91440" tIns="45720" rIns="91440" bIns="45720" rtlCol="0" anchor="b">
+            <a:normAutofit fontScale="90000"/>
+          </a:bodyPr>
+          <a:lstStyle/>
+          <a:p>
+            <a:r>
+              <a:rPr lang="en-US" sz="6000" dirty="0"/>
+              <a:t>The “global bank” example</a:t>
+            </a:r>
+          </a:p>
+        </p:txBody>
+      </p:sp>
+      <p:pic>
+        <p:nvPicPr>
+          <p:cNvPr id="4" name="Picture 3">
+            <a:extLst>
+              <a:ext uri="{FF2B5EF4-FFF2-40B4-BE49-F238E27FC236}">
+                <a16:creationId xmlns:a16="http://schemas.microsoft.com/office/drawing/2014/main" id="{19D09908-0230-4C7E-ABD1-455A6AE7EF52}"/>
+              </a:ext>
+            </a:extLst>
+          </p:cNvPr>
+          <p:cNvPicPr>
+            <a:picLocks noChangeAspect="1"/>
+          </p:cNvPicPr>
+          <p:nvPr/>
+        </p:nvPicPr>
+        <p:blipFill>
+          <a:blip r:embed="rId2">
+            <a:extLst>
+              <a:ext uri="{28A0092B-C50C-407E-A947-70E740481C1C}">
+                <a14:useLocalDpi xmlns:a14="http://schemas.microsoft.com/office/drawing/2010/main" val="0"/>
+              </a:ext>
+              <a:ext uri="{837473B0-CC2E-450A-ABE3-18F120FF3D39}">
+                <a1611:picAttrSrcUrl xmlns:a1611="http://schemas.microsoft.com/office/drawing/2016/11/main" r:id="rId3"/>
+              </a:ext>
+            </a:extLst>
+          </a:blip>
+          <a:srcRect/>
+          <a:stretch/>
+        </p:blipFill>
+        <p:spPr>
+          <a:xfrm>
+            <a:off x="0" y="1076188"/>
+            <a:ext cx="4590853" cy="4705624"/>
+          </a:xfrm>
+          <a:prstGeom prst="rect">
+            <a:avLst/>
+          </a:prstGeom>
+        </p:spPr>
+      </p:pic>
+      <p:pic>
+        <p:nvPicPr>
+          <p:cNvPr id="13" name="Picture 12" descr="A close up of smoke&#10;&#10;Description automatically generated">
+            <a:extLst>
+              <a:ext uri="{FF2B5EF4-FFF2-40B4-BE49-F238E27FC236}">
+                <a16:creationId xmlns:a16="http://schemas.microsoft.com/office/drawing/2014/main" id="{A6AC7226-85D0-4126-BE3C-5C8389F26FC7}"/>
+              </a:ext>
+            </a:extLst>
+          </p:cNvPr>
+          <p:cNvPicPr>
+            <a:picLocks noChangeAspect="1"/>
+          </p:cNvPicPr>
+          <p:nvPr/>
+        </p:nvPicPr>
+        <p:blipFill>
+          <a:blip r:embed="rId4">
+            <a:extLst>
+              <a:ext uri="{28A0092B-C50C-407E-A947-70E740481C1C}">
+                <a14:useLocalDpi xmlns:a14="http://schemas.microsoft.com/office/drawing/2010/main" val="0"/>
+              </a:ext>
+              <a:ext uri="{837473B0-CC2E-450A-ABE3-18F120FF3D39}">
+                <a1611:picAttrSrcUrl xmlns:a1611="http://schemas.microsoft.com/office/drawing/2016/11/main" r:id="rId5"/>
+              </a:ext>
+            </a:extLst>
+          </a:blip>
+          <a:stretch>
+            <a:fillRect/>
+          </a:stretch>
+        </p:blipFill>
+        <p:spPr>
+          <a:xfrm>
+            <a:off x="5139690" y="2284840"/>
+            <a:ext cx="6667500" cy="2781300"/>
+          </a:xfrm>
+          <a:prstGeom prst="rect">
+            <a:avLst/>
+          </a:prstGeom>
+        </p:spPr>
+      </p:pic>
+      <p:sp>
+        <p:nvSpPr>
+          <p:cNvPr id="15" name="Speech Bubble: Rectangle 14">
+            <a:extLst>
+              <a:ext uri="{FF2B5EF4-FFF2-40B4-BE49-F238E27FC236}">
+                <a16:creationId xmlns:a16="http://schemas.microsoft.com/office/drawing/2014/main" id="{5E6944E4-950C-47F0-AAE2-5D9A395B297C}"/>
+              </a:ext>
+            </a:extLst>
+          </p:cNvPr>
+          <p:cNvSpPr/>
+          <p:nvPr/>
+        </p:nvSpPr>
+        <p:spPr>
+          <a:xfrm>
+            <a:off x="6583680" y="2687541"/>
+            <a:ext cx="890546" cy="580445"/>
+          </a:xfrm>
+          <a:prstGeom prst="wedgeRectCallout">
+            <a:avLst>
+              <a:gd name="adj1" fmla="val -20833"/>
+              <a:gd name="adj2" fmla="val 83255"/>
+            </a:avLst>
+          </a:prstGeom>
+        </p:spPr>
+        <p:style>
+          <a:lnRef idx="2">
+            <a:schemeClr val="accent1">
+              <a:shade val="50000"/>
+            </a:schemeClr>
+          </a:lnRef>
+          <a:fillRef idx="1">
+            <a:schemeClr val="accent1"/>
+          </a:fillRef>
+          <a:effectRef idx="0">
+            <a:schemeClr val="accent1"/>
+          </a:effectRef>
+          <a:fontRef idx="minor">
+            <a:schemeClr val="lt1"/>
+          </a:fontRef>
+        </p:style>
+        <p:txBody>
+          <a:bodyPr rtlCol="0" anchor="ctr"/>
+          <a:lstStyle/>
+          <a:p>
+            <a:pPr algn="ctr"/>
+            <a:r>
+              <a:rPr lang="en-IE" dirty="0"/>
+              <a:t>Salary paid</a:t>
+            </a:r>
+            <a:endParaRPr lang="en-GB" dirty="0"/>
+          </a:p>
+        </p:txBody>
+      </p:sp>
+      <p:sp>
+        <p:nvSpPr>
+          <p:cNvPr id="17" name="Speech Bubble: Rectangle 16">
+            <a:extLst>
+              <a:ext uri="{FF2B5EF4-FFF2-40B4-BE49-F238E27FC236}">
+                <a16:creationId xmlns:a16="http://schemas.microsoft.com/office/drawing/2014/main" id="{0A1398A7-C781-404E-92B4-AFD7E18C3855}"/>
+              </a:ext>
+            </a:extLst>
+          </p:cNvPr>
+          <p:cNvSpPr/>
+          <p:nvPr/>
+        </p:nvSpPr>
+        <p:spPr>
+          <a:xfrm>
+            <a:off x="8715954" y="3746389"/>
+            <a:ext cx="1254982" cy="580445"/>
+          </a:xfrm>
+          <a:prstGeom prst="wedgeRectCallout">
+            <a:avLst>
+              <a:gd name="adj1" fmla="val -20833"/>
+              <a:gd name="adj2" fmla="val 83255"/>
+            </a:avLst>
+          </a:prstGeom>
+          <a:solidFill>
+            <a:srgbClr val="FF0000"/>
+          </a:solidFill>
+        </p:spPr>
+        <p:style>
+          <a:lnRef idx="2">
+            <a:schemeClr val="accent1">
+              <a:shade val="50000"/>
+            </a:schemeClr>
+          </a:lnRef>
+          <a:fillRef idx="1">
+            <a:schemeClr val="accent1"/>
+          </a:fillRef>
+          <a:effectRef idx="0">
+            <a:schemeClr val="accent1"/>
+          </a:effectRef>
+          <a:fontRef idx="minor">
+            <a:schemeClr val="lt1"/>
+          </a:fontRef>
+        </p:style>
+        <p:txBody>
+          <a:bodyPr rtlCol="0" anchor="ctr"/>
+          <a:lstStyle/>
+          <a:p>
+            <a:pPr algn="ctr"/>
+            <a:r>
+              <a:rPr lang="en-IE" dirty="0"/>
+              <a:t>Buys </a:t>
+            </a:r>
+            <a:r>
+              <a:rPr lang="en-IE" dirty="0" err="1"/>
+              <a:t>Landrover</a:t>
+            </a:r>
+            <a:endParaRPr lang="en-GB" dirty="0"/>
+          </a:p>
+        </p:txBody>
+      </p:sp>
+    </p:spTree>
+    <p:extLst>
+      <p:ext uri="{BB962C8B-B14F-4D97-AF65-F5344CB8AC3E}">
+        <p14:creationId xmlns:p14="http://schemas.microsoft.com/office/powerpoint/2010/main" val="412874358"/>
+      </p:ext>
+    </p:extLst>
+  </p:cSld>
+  <p:clrMapOvr>
+    <a:masterClrMapping/>
+  </p:clrMapOvr>
+  <p:timing>
+    <p:tnLst>
+      <p:par>
+        <p:cTn id="1" dur="indefinite" restart="never" nodeType="tmRoot">
+          <p:childTnLst>
+            <p:seq concurrent="1" nextAc="seek">
+              <p:cTn id="2" dur="indefinite" nodeType="mainSeq">
+                <p:childTnLst>
+                  <p:par>
+                    <p:cTn id="3" fill="hold">
+                      <p:stCondLst>
+                        <p:cond delay="indefinite"/>
+                      </p:stCondLst>
+                      <p:childTnLst>
+                        <p:par>
+                          <p:cTn id="4" fill="hold">
+                            <p:stCondLst>
+                              <p:cond delay="0"/>
+                            </p:stCondLst>
+                            <p:childTnLst>
+                              <p:par>
+                                <p:cTn id="5" presetID="1" presetClass="entr" presetSubtype="0" fill="hold" grpId="0" nodeType="clickEffect">
+                                  <p:stCondLst>
+                                    <p:cond delay="0"/>
+                                  </p:stCondLst>
+                                  <p:childTnLst>
+                                    <p:set>
+                                      <p:cBhvr>
+                                        <p:cTn id="6" dur="1" fill="hold">
+                                          <p:stCondLst>
+                                            <p:cond delay="0"/>
+                                          </p:stCondLst>
+                                        </p:cTn>
+                                        <p:tgtEl>
+                                          <p:spTgt spid="15"/>
+                                        </p:tgtEl>
+                                        <p:attrNameLst>
+                                          <p:attrName>style.visibility</p:attrName>
+                                        </p:attrNameLst>
+                                      </p:cBhvr>
+                                      <p:to>
+                                        <p:strVal val="visible"/>
+                                      </p:to>
+                                    </p:set>
+                                  </p:childTnLst>
+                                </p:cTn>
+                              </p:par>
+                              <p:par>
+                                <p:cTn id="7" presetID="1" presetClass="entr" presetSubtype="0" fill="hold" grpId="0" nodeType="withEffect">
+                                  <p:stCondLst>
+                                    <p:cond delay="0"/>
+                                  </p:stCondLst>
+                                  <p:childTnLst>
+                                    <p:set>
+                                      <p:cBhvr>
+                                        <p:cTn id="8" dur="1" fill="hold">
+                                          <p:stCondLst>
+                                            <p:cond delay="0"/>
+                                          </p:stCondLst>
+                                        </p:cTn>
+                                        <p:tgtEl>
+                                          <p:spTgt spid="17"/>
+                                        </p:tgtEl>
+                                        <p:attrNameLst>
+                                          <p:attrName>style.visibility</p:attrName>
+                                        </p:attrNameLst>
+                                      </p:cBhvr>
+                                      <p:to>
+                                        <p:strVal val="visible"/>
+                                      </p:to>
+                                    </p:set>
+                                  </p:childTnLst>
+                                </p:cTn>
+                              </p:par>
+                            </p:childTnLst>
+                          </p:cTn>
+                        </p:par>
+                      </p:childTnLst>
+                    </p:cTn>
+                  </p:par>
+                </p:childTnLst>
+              </p:cTn>
+              <p:prevCondLst>
+                <p:cond evt="onPrev" delay="0">
+                  <p:tgtEl>
+                    <p:sldTgt/>
+                  </p:tgtEl>
+                </p:cond>
+              </p:prevCondLst>
+              <p:nextCondLst>
+                <p:cond evt="onNext" delay="0">
+                  <p:tgtEl>
+                    <p:sldTgt/>
+                  </p:tgtEl>
+                </p:cond>
+              </p:nextCondLst>
+            </p:seq>
+          </p:childTnLst>
+        </p:cTn>
+      </p:par>
+    </p:tnLst>
+    <p:bldLst>
+      <p:bldP spid="15" grpId="0" animBg="1"/>
+      <p:bldP spid="17" grpId="0" animBg="1"/>
+    </p:bldLst>
+  </p:timing>
 </p:sld>
 </file>
 

--- a/A question of state.pptx
+++ b/A question of state.pptx
@@ -12,6 +12,8 @@
     <p:sldId id="260" r:id="rId6"/>
     <p:sldId id="261" r:id="rId7"/>
     <p:sldId id="262" r:id="rId8"/>
+    <p:sldId id="263" r:id="rId9"/>
+    <p:sldId id="264" r:id="rId10"/>
   </p:sldIdLst>
   <p:sldSz cx="12192000" cy="6858000"/>
   <p:notesSz cx="6858000" cy="9144000"/>
@@ -267,7 +269,7 @@
           <a:p>
             <a:fld id="{937972C6-B185-4251-B50B-52880A15AD10}" type="datetimeFigureOut">
               <a:rPr lang="en-IE" smtClean="0"/>
-              <a:t>09/09/2020</a:t>
+              <a:t>03/02/2021</a:t>
             </a:fld>
             <a:endParaRPr lang="en-IE"/>
           </a:p>
@@ -467,7 +469,7 @@
           <a:p>
             <a:fld id="{937972C6-B185-4251-B50B-52880A15AD10}" type="datetimeFigureOut">
               <a:rPr lang="en-IE" smtClean="0"/>
-              <a:t>09/09/2020</a:t>
+              <a:t>03/02/2021</a:t>
             </a:fld>
             <a:endParaRPr lang="en-IE"/>
           </a:p>
@@ -677,7 +679,7 @@
           <a:p>
             <a:fld id="{937972C6-B185-4251-B50B-52880A15AD10}" type="datetimeFigureOut">
               <a:rPr lang="en-IE" smtClean="0"/>
-              <a:t>09/09/2020</a:t>
+              <a:t>03/02/2021</a:t>
             </a:fld>
             <a:endParaRPr lang="en-IE"/>
           </a:p>
@@ -877,7 +879,7 @@
           <a:p>
             <a:fld id="{937972C6-B185-4251-B50B-52880A15AD10}" type="datetimeFigureOut">
               <a:rPr lang="en-IE" smtClean="0"/>
-              <a:t>09/09/2020</a:t>
+              <a:t>03/02/2021</a:t>
             </a:fld>
             <a:endParaRPr lang="en-IE"/>
           </a:p>
@@ -1153,7 +1155,7 @@
           <a:p>
             <a:fld id="{937972C6-B185-4251-B50B-52880A15AD10}" type="datetimeFigureOut">
               <a:rPr lang="en-IE" smtClean="0"/>
-              <a:t>09/09/2020</a:t>
+              <a:t>03/02/2021</a:t>
             </a:fld>
             <a:endParaRPr lang="en-IE"/>
           </a:p>
@@ -1421,7 +1423,7 @@
           <a:p>
             <a:fld id="{937972C6-B185-4251-B50B-52880A15AD10}" type="datetimeFigureOut">
               <a:rPr lang="en-IE" smtClean="0"/>
-              <a:t>09/09/2020</a:t>
+              <a:t>03/02/2021</a:t>
             </a:fld>
             <a:endParaRPr lang="en-IE"/>
           </a:p>
@@ -1836,7 +1838,7 @@
           <a:p>
             <a:fld id="{937972C6-B185-4251-B50B-52880A15AD10}" type="datetimeFigureOut">
               <a:rPr lang="en-IE" smtClean="0"/>
-              <a:t>09/09/2020</a:t>
+              <a:t>03/02/2021</a:t>
             </a:fld>
             <a:endParaRPr lang="en-IE"/>
           </a:p>
@@ -1978,7 +1980,7 @@
           <a:p>
             <a:fld id="{937972C6-B185-4251-B50B-52880A15AD10}" type="datetimeFigureOut">
               <a:rPr lang="en-IE" smtClean="0"/>
-              <a:t>09/09/2020</a:t>
+              <a:t>03/02/2021</a:t>
             </a:fld>
             <a:endParaRPr lang="en-IE"/>
           </a:p>
@@ -2091,7 +2093,7 @@
           <a:p>
             <a:fld id="{937972C6-B185-4251-B50B-52880A15AD10}" type="datetimeFigureOut">
               <a:rPr lang="en-IE" smtClean="0"/>
-              <a:t>09/09/2020</a:t>
+              <a:t>03/02/2021</a:t>
             </a:fld>
             <a:endParaRPr lang="en-IE"/>
           </a:p>
@@ -2404,7 +2406,7 @@
           <a:p>
             <a:fld id="{937972C6-B185-4251-B50B-52880A15AD10}" type="datetimeFigureOut">
               <a:rPr lang="en-IE" smtClean="0"/>
-              <a:t>09/09/2020</a:t>
+              <a:t>03/02/2021</a:t>
             </a:fld>
             <a:endParaRPr lang="en-IE"/>
           </a:p>
@@ -2693,7 +2695,7 @@
           <a:p>
             <a:fld id="{937972C6-B185-4251-B50B-52880A15AD10}" type="datetimeFigureOut">
               <a:rPr lang="en-IE" smtClean="0"/>
-              <a:t>09/09/2020</a:t>
+              <a:t>03/02/2021</a:t>
             </a:fld>
             <a:endParaRPr lang="en-IE"/>
           </a:p>
@@ -2936,7 +2938,7 @@
           <a:p>
             <a:fld id="{937972C6-B185-4251-B50B-52880A15AD10}" type="datetimeFigureOut">
               <a:rPr lang="en-IE" smtClean="0"/>
-              <a:t>09/09/2020</a:t>
+              <a:t>03/02/2021</a:t>
             </a:fld>
             <a:endParaRPr lang="en-IE"/>
           </a:p>
@@ -3408,19 +3410,29 @@
             <p:ph type="ctrTitle"/>
           </p:nvPr>
         </p:nvSpPr>
-        <p:spPr/>
+        <p:spPr>
+          <a:xfrm>
+            <a:off x="1524000" y="2464903"/>
+            <a:ext cx="9144000" cy="1045059"/>
+          </a:xfrm>
+        </p:spPr>
         <p:txBody>
           <a:bodyPr/>
           <a:lstStyle/>
           <a:p>
             <a:r>
               <a:rPr lang="en-IE" dirty="0"/>
-              <a:t>There is no such thing as </a:t>
+              <a:t>What do you mean by </a:t>
             </a:r>
             <a:r>
               <a:rPr lang="en-IE" b="1" dirty="0"/>
-              <a:t>now</a:t>
-            </a:r>
+              <a:t>“is”</a:t>
+            </a:r>
+            <a:r>
+              <a:rPr lang="en-IE" dirty="0"/>
+              <a:t>?</a:t>
+            </a:r>
+            <a:endParaRPr lang="en-IE" b="1" dirty="0"/>
           </a:p>
         </p:txBody>
       </p:sp>
@@ -3457,6 +3469,99 @@
           </a:p>
         </p:txBody>
       </p:sp>
+      <p:sp>
+        <p:nvSpPr>
+          <p:cNvPr id="6" name="TextBox 5">
+            <a:extLst>
+              <a:ext uri="{FF2B5EF4-FFF2-40B4-BE49-F238E27FC236}">
+                <a16:creationId xmlns:a16="http://schemas.microsoft.com/office/drawing/2014/main" id="{F31D1649-0B35-4F0C-9F05-D9C1867BC689}"/>
+              </a:ext>
+            </a:extLst>
+          </p:cNvPr>
+          <p:cNvSpPr txBox="1"/>
+          <p:nvPr/>
+        </p:nvSpPr>
+        <p:spPr>
+          <a:xfrm>
+            <a:off x="-492272" y="6129031"/>
+            <a:ext cx="1997798" cy="923330"/>
+          </a:xfrm>
+          <a:prstGeom prst="rect">
+            <a:avLst/>
+          </a:prstGeom>
+          <a:noFill/>
+        </p:spPr>
+        <p:txBody>
+          <a:bodyPr wrap="square" rtlCol="0">
+            <a:spAutoFit/>
+          </a:bodyPr>
+          <a:lstStyle/>
+          <a:p>
+            <a:pPr algn="r"/>
+            <a:r>
+              <a:rPr lang="en-IE" dirty="0"/>
+              <a:t>Duncan Jones</a:t>
+            </a:r>
+          </a:p>
+          <a:p>
+            <a:pPr algn="r"/>
+            <a:r>
+              <a:rPr lang="en-IE" dirty="0">
+                <a:solidFill>
+                  <a:schemeClr val="accent1">
+                    <a:lumMod val="75000"/>
+                  </a:schemeClr>
+                </a:solidFill>
+              </a:rPr>
+              <a:t>💬</a:t>
+            </a:r>
+            <a:r>
+              <a:rPr lang="en-IE" dirty="0"/>
+              <a:t> @Merrion</a:t>
+            </a:r>
+          </a:p>
+          <a:p>
+            <a:pPr algn="l"/>
+            <a:endParaRPr lang="en-IE" dirty="0"/>
+          </a:p>
+        </p:txBody>
+      </p:sp>
+      <p:pic>
+        <p:nvPicPr>
+          <p:cNvPr id="7" name="Picture 6" descr="A close up of a logo&#10;&#10;Description generated with very high confidence">
+            <a:extLst>
+              <a:ext uri="{FF2B5EF4-FFF2-40B4-BE49-F238E27FC236}">
+                <a16:creationId xmlns:a16="http://schemas.microsoft.com/office/drawing/2014/main" id="{906FD107-36A3-425D-96E2-CE7AE7F7DDC8}"/>
+              </a:ext>
+            </a:extLst>
+          </p:cNvPr>
+          <p:cNvPicPr>
+            <a:picLocks noChangeAspect="1"/>
+          </p:cNvPicPr>
+          <p:nvPr/>
+        </p:nvPicPr>
+        <p:blipFill>
+          <a:blip r:embed="rId4">
+            <a:extLst>
+              <a:ext uri="{837473B0-CC2E-450A-ABE3-18F120FF3D39}">
+                <a1611:picAttrSrcUrl xmlns:a1611="http://schemas.microsoft.com/office/drawing/2016/11/main" r:id="rId5"/>
+              </a:ext>
+            </a:extLst>
+          </a:blip>
+          <a:stretch>
+            <a:fillRect/>
+          </a:stretch>
+        </p:blipFill>
+        <p:spPr>
+          <a:xfrm>
+            <a:off x="90768" y="6432659"/>
+            <a:ext cx="316075" cy="316075"/>
+          </a:xfrm>
+          <a:prstGeom prst="rect">
+            <a:avLst/>
+          </a:prstGeom>
+        </p:spPr>
+      </p:pic>
     </p:spTree>
     <p:extLst>
       <p:ext uri="{BB962C8B-B14F-4D97-AF65-F5344CB8AC3E}">
@@ -4312,6 +4417,749 @@
           </a:prstGeom>
         </p:spPr>
       </p:pic>
+      <p:sp>
+        <p:nvSpPr>
+          <p:cNvPr id="5" name="Speech Bubble: Rectangle 4">
+            <a:extLst>
+              <a:ext uri="{FF2B5EF4-FFF2-40B4-BE49-F238E27FC236}">
+                <a16:creationId xmlns:a16="http://schemas.microsoft.com/office/drawing/2014/main" id="{59A5312A-EEA4-4C28-8FA1-471EEA1FACAA}"/>
+              </a:ext>
+            </a:extLst>
+          </p:cNvPr>
+          <p:cNvSpPr/>
+          <p:nvPr/>
+        </p:nvSpPr>
+        <p:spPr>
+          <a:xfrm>
+            <a:off x="5041127" y="4548147"/>
+            <a:ext cx="1248355" cy="1081377"/>
+          </a:xfrm>
+          <a:prstGeom prst="wedgeRectCallout">
+            <a:avLst>
+              <a:gd name="adj1" fmla="val -20833"/>
+              <a:gd name="adj2" fmla="val 83255"/>
+            </a:avLst>
+          </a:prstGeom>
+        </p:spPr>
+        <p:style>
+          <a:lnRef idx="2">
+            <a:schemeClr val="accent1">
+              <a:shade val="50000"/>
+            </a:schemeClr>
+          </a:lnRef>
+          <a:fillRef idx="1">
+            <a:schemeClr val="accent1"/>
+          </a:fillRef>
+          <a:effectRef idx="0">
+            <a:schemeClr val="accent1"/>
+          </a:effectRef>
+          <a:fontRef idx="minor">
+            <a:schemeClr val="lt1"/>
+          </a:fontRef>
+        </p:style>
+        <p:txBody>
+          <a:bodyPr rtlCol="0" anchor="ctr"/>
+          <a:lstStyle/>
+          <a:p>
+            <a:pPr algn="ctr"/>
+            <a:r>
+              <a:rPr lang="en-IE" dirty="0"/>
+              <a:t>Is anyone in room 303?</a:t>
+            </a:r>
+            <a:endParaRPr lang="en-GB" dirty="0"/>
+          </a:p>
+        </p:txBody>
+      </p:sp>
+      <p:pic>
+        <p:nvPicPr>
+          <p:cNvPr id="6" name="Picture 5" descr="A picture containing drawing&#10;&#10;Description automatically generated">
+            <a:extLst>
+              <a:ext uri="{FF2B5EF4-FFF2-40B4-BE49-F238E27FC236}">
+                <a16:creationId xmlns:a16="http://schemas.microsoft.com/office/drawing/2014/main" id="{A7B4A61A-B83B-4212-8EAF-41585D5F3980}"/>
+              </a:ext>
+            </a:extLst>
+          </p:cNvPr>
+          <p:cNvPicPr>
+            <a:picLocks noChangeAspect="1"/>
+          </p:cNvPicPr>
+          <p:nvPr/>
+        </p:nvPicPr>
+        <p:blipFill>
+          <a:blip r:embed="rId4">
+            <a:extLst>
+              <a:ext uri="{28A0092B-C50C-407E-A947-70E740481C1C}">
+                <a14:useLocalDpi xmlns:a14="http://schemas.microsoft.com/office/drawing/2010/main" val="0"/>
+              </a:ext>
+              <a:ext uri="{837473B0-CC2E-450A-ABE3-18F120FF3D39}">
+                <a1611:picAttrSrcUrl xmlns:a1611="http://schemas.microsoft.com/office/drawing/2016/11/main" r:id="rId5"/>
+              </a:ext>
+            </a:extLst>
+          </a:blip>
+          <a:stretch>
+            <a:fillRect/>
+          </a:stretch>
+        </p:blipFill>
+        <p:spPr>
+          <a:xfrm flipH="1">
+            <a:off x="5273068" y="5995447"/>
+            <a:ext cx="392236" cy="796123"/>
+          </a:xfrm>
+          <a:prstGeom prst="rect">
+            <a:avLst/>
+          </a:prstGeom>
+        </p:spPr>
+      </p:pic>
+      <p:pic>
+        <p:nvPicPr>
+          <p:cNvPr id="8" name="Graphic 7">
+            <a:extLst>
+              <a:ext uri="{FF2B5EF4-FFF2-40B4-BE49-F238E27FC236}">
+                <a16:creationId xmlns:a16="http://schemas.microsoft.com/office/drawing/2014/main" id="{9C3E323F-EB6D-40B3-8C2D-4FA96E2E66F8}"/>
+              </a:ext>
+            </a:extLst>
+          </p:cNvPr>
+          <p:cNvPicPr>
+            <a:picLocks noChangeAspect="1"/>
+          </p:cNvPicPr>
+          <p:nvPr/>
+        </p:nvPicPr>
+        <p:blipFill>
+          <a:blip r:embed="rId6">
+            <a:extLst>
+              <a:ext uri="{28A0092B-C50C-407E-A947-70E740481C1C}">
+                <a14:useLocalDpi xmlns:a14="http://schemas.microsoft.com/office/drawing/2010/main" val="0"/>
+              </a:ext>
+              <a:ext uri="{96DAC541-7B7A-43D3-8B79-37D633B846F1}">
+                <asvg:svgBlip xmlns:asvg="http://schemas.microsoft.com/office/drawing/2016/SVG/main" r:embed="rId7"/>
+              </a:ext>
+              <a:ext uri="{837473B0-CC2E-450A-ABE3-18F120FF3D39}">
+                <a1611:picAttrSrcUrl xmlns:a1611="http://schemas.microsoft.com/office/drawing/2016/11/main" r:id="rId8"/>
+              </a:ext>
+            </a:extLst>
+          </a:blip>
+          <a:stretch>
+            <a:fillRect/>
+          </a:stretch>
+        </p:blipFill>
+        <p:spPr>
+          <a:xfrm>
+            <a:off x="6403182" y="5995446"/>
+            <a:ext cx="540542" cy="796123"/>
+          </a:xfrm>
+          <a:prstGeom prst="rect">
+            <a:avLst/>
+          </a:prstGeom>
+        </p:spPr>
+      </p:pic>
+      <p:pic>
+        <p:nvPicPr>
+          <p:cNvPr id="10" name="Picture 9" descr="A large stone building with many windows&#10;&#10;Description automatically generated">
+            <a:extLst>
+              <a:ext uri="{FF2B5EF4-FFF2-40B4-BE49-F238E27FC236}">
+                <a16:creationId xmlns:a16="http://schemas.microsoft.com/office/drawing/2014/main" id="{945A1C0A-6A22-43FD-B2A8-A3DF0B0A470F}"/>
+              </a:ext>
+            </a:extLst>
+          </p:cNvPr>
+          <p:cNvPicPr>
+            <a:picLocks noChangeAspect="1"/>
+          </p:cNvPicPr>
+          <p:nvPr/>
+        </p:nvPicPr>
+        <p:blipFill>
+          <a:blip r:embed="rId9">
+            <a:extLst>
+              <a:ext uri="{28A0092B-C50C-407E-A947-70E740481C1C}">
+                <a14:useLocalDpi xmlns:a14="http://schemas.microsoft.com/office/drawing/2010/main" val="0"/>
+              </a:ext>
+              <a:ext uri="{837473B0-CC2E-450A-ABE3-18F120FF3D39}">
+                <a1611:picAttrSrcUrl xmlns:a1611="http://schemas.microsoft.com/office/drawing/2016/11/main" r:id="rId10"/>
+              </a:ext>
+            </a:extLst>
+          </a:blip>
+          <a:stretch>
+            <a:fillRect/>
+          </a:stretch>
+        </p:blipFill>
+        <p:spPr>
+          <a:xfrm>
+            <a:off x="8452437" y="1574277"/>
+            <a:ext cx="1086212" cy="1397908"/>
+          </a:xfrm>
+          <a:prstGeom prst="rect">
+            <a:avLst/>
+          </a:prstGeom>
+        </p:spPr>
+      </p:pic>
+      <p:sp>
+        <p:nvSpPr>
+          <p:cNvPr id="12" name="Arrow: Up 11">
+            <a:extLst>
+              <a:ext uri="{FF2B5EF4-FFF2-40B4-BE49-F238E27FC236}">
+                <a16:creationId xmlns:a16="http://schemas.microsoft.com/office/drawing/2014/main" id="{2C2DA027-DAE3-4454-903A-7D4827522B5E}"/>
+              </a:ext>
+            </a:extLst>
+          </p:cNvPr>
+          <p:cNvSpPr/>
+          <p:nvPr/>
+        </p:nvSpPr>
+        <p:spPr>
+          <a:xfrm rot="2591787">
+            <a:off x="7332459" y="5358650"/>
+            <a:ext cx="392236" cy="1001134"/>
+          </a:xfrm>
+          <a:prstGeom prst="upArrow">
+            <a:avLst/>
+          </a:prstGeom>
+        </p:spPr>
+        <p:style>
+          <a:lnRef idx="2">
+            <a:schemeClr val="accent1">
+              <a:shade val="50000"/>
+            </a:schemeClr>
+          </a:lnRef>
+          <a:fillRef idx="1">
+            <a:schemeClr val="accent1"/>
+          </a:fillRef>
+          <a:effectRef idx="0">
+            <a:schemeClr val="accent1"/>
+          </a:effectRef>
+          <a:fontRef idx="minor">
+            <a:schemeClr val="lt1"/>
+          </a:fontRef>
+        </p:style>
+        <p:txBody>
+          <a:bodyPr rtlCol="0" anchor="ctr"/>
+          <a:lstStyle/>
+          <a:p>
+            <a:pPr algn="ctr"/>
+            <a:endParaRPr lang="en-GB"/>
+          </a:p>
+        </p:txBody>
+      </p:sp>
+      <p:sp>
+        <p:nvSpPr>
+          <p:cNvPr id="14" name="Arrow: Up 13">
+            <a:extLst>
+              <a:ext uri="{FF2B5EF4-FFF2-40B4-BE49-F238E27FC236}">
+                <a16:creationId xmlns:a16="http://schemas.microsoft.com/office/drawing/2014/main" id="{E3C10D49-D88C-40D8-8DBE-D12D8EAABB64}"/>
+              </a:ext>
+            </a:extLst>
+          </p:cNvPr>
+          <p:cNvSpPr/>
+          <p:nvPr/>
+        </p:nvSpPr>
+        <p:spPr>
+          <a:xfrm rot="2591787">
+            <a:off x="7233218" y="2966597"/>
+            <a:ext cx="392236" cy="1001134"/>
+          </a:xfrm>
+          <a:prstGeom prst="upArrow">
+            <a:avLst/>
+          </a:prstGeom>
+        </p:spPr>
+        <p:style>
+          <a:lnRef idx="2">
+            <a:schemeClr val="accent1">
+              <a:shade val="50000"/>
+            </a:schemeClr>
+          </a:lnRef>
+          <a:fillRef idx="1">
+            <a:schemeClr val="accent1"/>
+          </a:fillRef>
+          <a:effectRef idx="0">
+            <a:schemeClr val="accent1"/>
+          </a:effectRef>
+          <a:fontRef idx="minor">
+            <a:schemeClr val="lt1"/>
+          </a:fontRef>
+        </p:style>
+        <p:txBody>
+          <a:bodyPr rtlCol="0" anchor="ctr"/>
+          <a:lstStyle/>
+          <a:p>
+            <a:pPr algn="ctr"/>
+            <a:endParaRPr lang="en-GB"/>
+          </a:p>
+        </p:txBody>
+      </p:sp>
+      <p:sp>
+        <p:nvSpPr>
+          <p:cNvPr id="16" name="Arrow: Up 15">
+            <a:extLst>
+              <a:ext uri="{FF2B5EF4-FFF2-40B4-BE49-F238E27FC236}">
+                <a16:creationId xmlns:a16="http://schemas.microsoft.com/office/drawing/2014/main" id="{CF7EA02A-4D6A-45F0-859D-A3A202717D82}"/>
+              </a:ext>
+            </a:extLst>
+          </p:cNvPr>
+          <p:cNvSpPr/>
+          <p:nvPr/>
+        </p:nvSpPr>
+        <p:spPr>
+          <a:xfrm rot="18789460">
+            <a:off x="7405031" y="4162623"/>
+            <a:ext cx="392236" cy="1001134"/>
+          </a:xfrm>
+          <a:prstGeom prst="upArrow">
+            <a:avLst/>
+          </a:prstGeom>
+        </p:spPr>
+        <p:style>
+          <a:lnRef idx="2">
+            <a:schemeClr val="accent1">
+              <a:shade val="50000"/>
+            </a:schemeClr>
+          </a:lnRef>
+          <a:fillRef idx="1">
+            <a:schemeClr val="accent1"/>
+          </a:fillRef>
+          <a:effectRef idx="0">
+            <a:schemeClr val="accent1"/>
+          </a:effectRef>
+          <a:fontRef idx="minor">
+            <a:schemeClr val="lt1"/>
+          </a:fontRef>
+        </p:style>
+        <p:txBody>
+          <a:bodyPr rtlCol="0" anchor="ctr"/>
+          <a:lstStyle/>
+          <a:p>
+            <a:pPr algn="ctr"/>
+            <a:endParaRPr lang="en-GB"/>
+          </a:p>
+        </p:txBody>
+      </p:sp>
+      <p:sp>
+        <p:nvSpPr>
+          <p:cNvPr id="18" name="Arrow: Up 17">
+            <a:extLst>
+              <a:ext uri="{FF2B5EF4-FFF2-40B4-BE49-F238E27FC236}">
+                <a16:creationId xmlns:a16="http://schemas.microsoft.com/office/drawing/2014/main" id="{FEF27CFE-4A42-4923-A799-D80F2E23FD18}"/>
+              </a:ext>
+            </a:extLst>
+          </p:cNvPr>
+          <p:cNvSpPr/>
+          <p:nvPr/>
+        </p:nvSpPr>
+        <p:spPr>
+          <a:xfrm rot="13634837">
+            <a:off x="9843225" y="5358651"/>
+            <a:ext cx="392236" cy="1001134"/>
+          </a:xfrm>
+          <a:prstGeom prst="upArrow">
+            <a:avLst/>
+          </a:prstGeom>
+        </p:spPr>
+        <p:style>
+          <a:lnRef idx="2">
+            <a:schemeClr val="accent1">
+              <a:shade val="50000"/>
+            </a:schemeClr>
+          </a:lnRef>
+          <a:fillRef idx="1">
+            <a:schemeClr val="accent1"/>
+          </a:fillRef>
+          <a:effectRef idx="0">
+            <a:schemeClr val="accent1"/>
+          </a:effectRef>
+          <a:fontRef idx="minor">
+            <a:schemeClr val="lt1"/>
+          </a:fontRef>
+        </p:style>
+        <p:txBody>
+          <a:bodyPr rtlCol="0" anchor="ctr"/>
+          <a:lstStyle/>
+          <a:p>
+            <a:pPr algn="ctr"/>
+            <a:endParaRPr lang="en-GB"/>
+          </a:p>
+        </p:txBody>
+      </p:sp>
+      <p:sp>
+        <p:nvSpPr>
+          <p:cNvPr id="20" name="Arrow: Up 19">
+            <a:extLst>
+              <a:ext uri="{FF2B5EF4-FFF2-40B4-BE49-F238E27FC236}">
+                <a16:creationId xmlns:a16="http://schemas.microsoft.com/office/drawing/2014/main" id="{7065A700-E0C1-436D-ACD5-5C40473F6AC3}"/>
+              </a:ext>
+            </a:extLst>
+          </p:cNvPr>
+          <p:cNvSpPr/>
+          <p:nvPr/>
+        </p:nvSpPr>
+        <p:spPr>
+          <a:xfrm rot="7953305">
+            <a:off x="10699881" y="2928433"/>
+            <a:ext cx="392236" cy="1001134"/>
+          </a:xfrm>
+          <a:prstGeom prst="upArrow">
+            <a:avLst/>
+          </a:prstGeom>
+        </p:spPr>
+        <p:style>
+          <a:lnRef idx="2">
+            <a:schemeClr val="accent1">
+              <a:shade val="50000"/>
+            </a:schemeClr>
+          </a:lnRef>
+          <a:fillRef idx="1">
+            <a:schemeClr val="accent1"/>
+          </a:fillRef>
+          <a:effectRef idx="0">
+            <a:schemeClr val="accent1"/>
+          </a:effectRef>
+          <a:fontRef idx="minor">
+            <a:schemeClr val="lt1"/>
+          </a:fontRef>
+        </p:style>
+        <p:txBody>
+          <a:bodyPr rtlCol="0" anchor="ctr"/>
+          <a:lstStyle/>
+          <a:p>
+            <a:pPr algn="ctr"/>
+            <a:endParaRPr lang="en-GB"/>
+          </a:p>
+        </p:txBody>
+      </p:sp>
+      <p:sp>
+        <p:nvSpPr>
+          <p:cNvPr id="22" name="Arrow: Up 21">
+            <a:extLst>
+              <a:ext uri="{FF2B5EF4-FFF2-40B4-BE49-F238E27FC236}">
+                <a16:creationId xmlns:a16="http://schemas.microsoft.com/office/drawing/2014/main" id="{2B422462-61BC-4E1A-858E-8717A620CA34}"/>
+              </a:ext>
+            </a:extLst>
+          </p:cNvPr>
+          <p:cNvSpPr/>
+          <p:nvPr/>
+        </p:nvSpPr>
+        <p:spPr>
+          <a:xfrm rot="13334572">
+            <a:off x="10874096" y="4150811"/>
+            <a:ext cx="392236" cy="1001134"/>
+          </a:xfrm>
+          <a:prstGeom prst="upArrow">
+            <a:avLst/>
+          </a:prstGeom>
+        </p:spPr>
+        <p:style>
+          <a:lnRef idx="2">
+            <a:schemeClr val="accent1">
+              <a:shade val="50000"/>
+            </a:schemeClr>
+          </a:lnRef>
+          <a:fillRef idx="1">
+            <a:schemeClr val="accent1"/>
+          </a:fillRef>
+          <a:effectRef idx="0">
+            <a:schemeClr val="accent1"/>
+          </a:effectRef>
+          <a:fontRef idx="minor">
+            <a:schemeClr val="lt1"/>
+          </a:fontRef>
+        </p:style>
+        <p:txBody>
+          <a:bodyPr rtlCol="0" anchor="ctr"/>
+          <a:lstStyle/>
+          <a:p>
+            <a:pPr algn="ctr"/>
+            <a:endParaRPr lang="en-GB"/>
+          </a:p>
+        </p:txBody>
+      </p:sp>
+      <p:pic>
+        <p:nvPicPr>
+          <p:cNvPr id="24" name="Graphic 23">
+            <a:extLst>
+              <a:ext uri="{FF2B5EF4-FFF2-40B4-BE49-F238E27FC236}">
+                <a16:creationId xmlns:a16="http://schemas.microsoft.com/office/drawing/2014/main" id="{B54B5FCE-E0B3-4528-BE57-31310B7966A0}"/>
+              </a:ext>
+            </a:extLst>
+          </p:cNvPr>
+          <p:cNvPicPr>
+            <a:picLocks noChangeAspect="1"/>
+          </p:cNvPicPr>
+          <p:nvPr/>
+        </p:nvPicPr>
+        <p:blipFill>
+          <a:blip r:embed="rId6">
+            <a:extLst>
+              <a:ext uri="{28A0092B-C50C-407E-A947-70E740481C1C}">
+                <a14:useLocalDpi xmlns:a14="http://schemas.microsoft.com/office/drawing/2010/main" val="0"/>
+              </a:ext>
+              <a:ext uri="{96DAC541-7B7A-43D3-8B79-37D633B846F1}">
+                <asvg:svgBlip xmlns:asvg="http://schemas.microsoft.com/office/drawing/2016/SVG/main" r:embed="rId7"/>
+              </a:ext>
+              <a:ext uri="{837473B0-CC2E-450A-ABE3-18F120FF3D39}">
+                <a1611:picAttrSrcUrl xmlns:a1611="http://schemas.microsoft.com/office/drawing/2016/11/main" r:id="rId8"/>
+              </a:ext>
+            </a:extLst>
+          </a:blip>
+          <a:stretch>
+            <a:fillRect/>
+          </a:stretch>
+        </p:blipFill>
+        <p:spPr>
+          <a:xfrm>
+            <a:off x="8024348" y="4885661"/>
+            <a:ext cx="540542" cy="796123"/>
+          </a:xfrm>
+          <a:prstGeom prst="rect">
+            <a:avLst/>
+          </a:prstGeom>
+        </p:spPr>
+      </p:pic>
+      <p:pic>
+        <p:nvPicPr>
+          <p:cNvPr id="26" name="Graphic 25">
+            <a:extLst>
+              <a:ext uri="{FF2B5EF4-FFF2-40B4-BE49-F238E27FC236}">
+                <a16:creationId xmlns:a16="http://schemas.microsoft.com/office/drawing/2014/main" id="{BB5D5215-FB04-45A9-8CAC-2F39FC24AE53}"/>
+              </a:ext>
+            </a:extLst>
+          </p:cNvPr>
+          <p:cNvPicPr>
+            <a:picLocks noChangeAspect="1"/>
+          </p:cNvPicPr>
+          <p:nvPr/>
+        </p:nvPicPr>
+        <p:blipFill>
+          <a:blip r:embed="rId6">
+            <a:extLst>
+              <a:ext uri="{28A0092B-C50C-407E-A947-70E740481C1C}">
+                <a14:useLocalDpi xmlns:a14="http://schemas.microsoft.com/office/drawing/2010/main" val="0"/>
+              </a:ext>
+              <a:ext uri="{96DAC541-7B7A-43D3-8B79-37D633B846F1}">
+                <asvg:svgBlip xmlns:asvg="http://schemas.microsoft.com/office/drawing/2016/SVG/main" r:embed="rId7"/>
+              </a:ext>
+              <a:ext uri="{837473B0-CC2E-450A-ABE3-18F120FF3D39}">
+                <a1611:picAttrSrcUrl xmlns:a1611="http://schemas.microsoft.com/office/drawing/2016/11/main" r:id="rId8"/>
+              </a:ext>
+            </a:extLst>
+          </a:blip>
+          <a:stretch>
+            <a:fillRect/>
+          </a:stretch>
+        </p:blipFill>
+        <p:spPr>
+          <a:xfrm>
+            <a:off x="8230390" y="2530776"/>
+            <a:ext cx="540542" cy="796123"/>
+          </a:xfrm>
+          <a:prstGeom prst="rect">
+            <a:avLst/>
+          </a:prstGeom>
+        </p:spPr>
+      </p:pic>
+      <p:pic>
+        <p:nvPicPr>
+          <p:cNvPr id="28" name="Graphic 27">
+            <a:extLst>
+              <a:ext uri="{FF2B5EF4-FFF2-40B4-BE49-F238E27FC236}">
+                <a16:creationId xmlns:a16="http://schemas.microsoft.com/office/drawing/2014/main" id="{7FA90389-461C-46C1-985D-DBAB9D0ECFAE}"/>
+              </a:ext>
+            </a:extLst>
+          </p:cNvPr>
+          <p:cNvPicPr>
+            <a:picLocks noChangeAspect="1"/>
+          </p:cNvPicPr>
+          <p:nvPr/>
+        </p:nvPicPr>
+        <p:blipFill>
+          <a:blip r:embed="rId6">
+            <a:extLst>
+              <a:ext uri="{28A0092B-C50C-407E-A947-70E740481C1C}">
+                <a14:useLocalDpi xmlns:a14="http://schemas.microsoft.com/office/drawing/2010/main" val="0"/>
+              </a:ext>
+              <a:ext uri="{96DAC541-7B7A-43D3-8B79-37D633B846F1}">
+                <asvg:svgBlip xmlns:asvg="http://schemas.microsoft.com/office/drawing/2016/SVG/main" r:embed="rId7"/>
+              </a:ext>
+              <a:ext uri="{837473B0-CC2E-450A-ABE3-18F120FF3D39}">
+                <a1611:picAttrSrcUrl xmlns:a1611="http://schemas.microsoft.com/office/drawing/2016/11/main" r:id="rId8"/>
+              </a:ext>
+            </a:extLst>
+          </a:blip>
+          <a:stretch>
+            <a:fillRect/>
+          </a:stretch>
+        </p:blipFill>
+        <p:spPr>
+          <a:xfrm>
+            <a:off x="11281648" y="3513937"/>
+            <a:ext cx="540542" cy="796123"/>
+          </a:xfrm>
+          <a:prstGeom prst="rect">
+            <a:avLst/>
+          </a:prstGeom>
+        </p:spPr>
+      </p:pic>
+      <p:pic>
+        <p:nvPicPr>
+          <p:cNvPr id="30" name="Graphic 29">
+            <a:extLst>
+              <a:ext uri="{FF2B5EF4-FFF2-40B4-BE49-F238E27FC236}">
+                <a16:creationId xmlns:a16="http://schemas.microsoft.com/office/drawing/2014/main" id="{CEFAE40B-7E4A-4F94-9743-0F6373B17EA7}"/>
+              </a:ext>
+            </a:extLst>
+          </p:cNvPr>
+          <p:cNvPicPr>
+            <a:picLocks noChangeAspect="1"/>
+          </p:cNvPicPr>
+          <p:nvPr/>
+        </p:nvPicPr>
+        <p:blipFill>
+          <a:blip r:embed="rId6">
+            <a:extLst>
+              <a:ext uri="{28A0092B-C50C-407E-A947-70E740481C1C}">
+                <a14:useLocalDpi xmlns:a14="http://schemas.microsoft.com/office/drawing/2010/main" val="0"/>
+              </a:ext>
+              <a:ext uri="{96DAC541-7B7A-43D3-8B79-37D633B846F1}">
+                <asvg:svgBlip xmlns:asvg="http://schemas.microsoft.com/office/drawing/2016/SVG/main" r:embed="rId7"/>
+              </a:ext>
+              <a:ext uri="{837473B0-CC2E-450A-ABE3-18F120FF3D39}">
+                <a1611:picAttrSrcUrl xmlns:a1611="http://schemas.microsoft.com/office/drawing/2016/11/main" r:id="rId8"/>
+              </a:ext>
+            </a:extLst>
+          </a:blip>
+          <a:stretch>
+            <a:fillRect/>
+          </a:stretch>
+        </p:blipFill>
+        <p:spPr>
+          <a:xfrm flipH="1">
+            <a:off x="8995543" y="5961808"/>
+            <a:ext cx="517673" cy="762441"/>
+          </a:xfrm>
+          <a:prstGeom prst="rect">
+            <a:avLst/>
+          </a:prstGeom>
+        </p:spPr>
+      </p:pic>
+      <p:pic>
+        <p:nvPicPr>
+          <p:cNvPr id="32" name="Graphic 31">
+            <a:extLst>
+              <a:ext uri="{FF2B5EF4-FFF2-40B4-BE49-F238E27FC236}">
+                <a16:creationId xmlns:a16="http://schemas.microsoft.com/office/drawing/2014/main" id="{AC46B3B6-62DB-462A-8177-14CB2B67908C}"/>
+              </a:ext>
+            </a:extLst>
+          </p:cNvPr>
+          <p:cNvPicPr>
+            <a:picLocks noChangeAspect="1"/>
+          </p:cNvPicPr>
+          <p:nvPr/>
+        </p:nvPicPr>
+        <p:blipFill>
+          <a:blip r:embed="rId6">
+            <a:extLst>
+              <a:ext uri="{28A0092B-C50C-407E-A947-70E740481C1C}">
+                <a14:useLocalDpi xmlns:a14="http://schemas.microsoft.com/office/drawing/2010/main" val="0"/>
+              </a:ext>
+              <a:ext uri="{96DAC541-7B7A-43D3-8B79-37D633B846F1}">
+                <asvg:svgBlip xmlns:asvg="http://schemas.microsoft.com/office/drawing/2016/SVG/main" r:embed="rId7"/>
+              </a:ext>
+              <a:ext uri="{837473B0-CC2E-450A-ABE3-18F120FF3D39}">
+                <a1611:picAttrSrcUrl xmlns:a1611="http://schemas.microsoft.com/office/drawing/2016/11/main" r:id="rId8"/>
+              </a:ext>
+            </a:extLst>
+          </a:blip>
+          <a:stretch>
+            <a:fillRect/>
+          </a:stretch>
+        </p:blipFill>
+        <p:spPr>
+          <a:xfrm flipH="1">
+            <a:off x="6584178" y="3690810"/>
+            <a:ext cx="517673" cy="762441"/>
+          </a:xfrm>
+          <a:prstGeom prst="rect">
+            <a:avLst/>
+          </a:prstGeom>
+        </p:spPr>
+      </p:pic>
+      <p:pic>
+        <p:nvPicPr>
+          <p:cNvPr id="34" name="Graphic 33">
+            <a:extLst>
+              <a:ext uri="{FF2B5EF4-FFF2-40B4-BE49-F238E27FC236}">
+                <a16:creationId xmlns:a16="http://schemas.microsoft.com/office/drawing/2014/main" id="{4CA9336E-D2F8-4DED-9556-0D7BFD9DA0B4}"/>
+              </a:ext>
+            </a:extLst>
+          </p:cNvPr>
+          <p:cNvPicPr>
+            <a:picLocks noChangeAspect="1"/>
+          </p:cNvPicPr>
+          <p:nvPr/>
+        </p:nvPicPr>
+        <p:blipFill>
+          <a:blip r:embed="rId6">
+            <a:extLst>
+              <a:ext uri="{28A0092B-C50C-407E-A947-70E740481C1C}">
+                <a14:useLocalDpi xmlns:a14="http://schemas.microsoft.com/office/drawing/2010/main" val="0"/>
+              </a:ext>
+              <a:ext uri="{96DAC541-7B7A-43D3-8B79-37D633B846F1}">
+                <asvg:svgBlip xmlns:asvg="http://schemas.microsoft.com/office/drawing/2016/SVG/main" r:embed="rId7"/>
+              </a:ext>
+              <a:ext uri="{837473B0-CC2E-450A-ABE3-18F120FF3D39}">
+                <a1611:picAttrSrcUrl xmlns:a1611="http://schemas.microsoft.com/office/drawing/2016/11/main" r:id="rId8"/>
+              </a:ext>
+            </a:extLst>
+          </a:blip>
+          <a:stretch>
+            <a:fillRect/>
+          </a:stretch>
+        </p:blipFill>
+        <p:spPr>
+          <a:xfrm flipH="1">
+            <a:off x="10378326" y="4919343"/>
+            <a:ext cx="517673" cy="762441"/>
+          </a:xfrm>
+          <a:prstGeom prst="rect">
+            <a:avLst/>
+          </a:prstGeom>
+        </p:spPr>
+      </p:pic>
+      <p:pic>
+        <p:nvPicPr>
+          <p:cNvPr id="36" name="Graphic 35">
+            <a:extLst>
+              <a:ext uri="{FF2B5EF4-FFF2-40B4-BE49-F238E27FC236}">
+                <a16:creationId xmlns:a16="http://schemas.microsoft.com/office/drawing/2014/main" id="{63726DA2-884B-40DF-8BAE-1652953F315D}"/>
+              </a:ext>
+            </a:extLst>
+          </p:cNvPr>
+          <p:cNvPicPr>
+            <a:picLocks noChangeAspect="1"/>
+          </p:cNvPicPr>
+          <p:nvPr/>
+        </p:nvPicPr>
+        <p:blipFill>
+          <a:blip r:embed="rId6">
+            <a:extLst>
+              <a:ext uri="{28A0092B-C50C-407E-A947-70E740481C1C}">
+                <a14:useLocalDpi xmlns:a14="http://schemas.microsoft.com/office/drawing/2010/main" val="0"/>
+              </a:ext>
+              <a:ext uri="{96DAC541-7B7A-43D3-8B79-37D633B846F1}">
+                <asvg:svgBlip xmlns:asvg="http://schemas.microsoft.com/office/drawing/2016/SVG/main" r:embed="rId7"/>
+              </a:ext>
+              <a:ext uri="{837473B0-CC2E-450A-ABE3-18F120FF3D39}">
+                <a1611:picAttrSrcUrl xmlns:a1611="http://schemas.microsoft.com/office/drawing/2016/11/main" r:id="rId8"/>
+              </a:ext>
+            </a:extLst>
+          </a:blip>
+          <a:stretch>
+            <a:fillRect/>
+          </a:stretch>
+        </p:blipFill>
+        <p:spPr>
+          <a:xfrm flipH="1">
+            <a:off x="5847867" y="5995446"/>
+            <a:ext cx="517673" cy="762441"/>
+          </a:xfrm>
+          <a:prstGeom prst="rect">
+            <a:avLst/>
+          </a:prstGeom>
+        </p:spPr>
+      </p:pic>
     </p:spTree>
     <p:extLst>
       <p:ext uri="{BB962C8B-B14F-4D97-AF65-F5344CB8AC3E}">
@@ -4322,6 +5170,665 @@
   <p:clrMapOvr>
     <a:masterClrMapping/>
   </p:clrMapOvr>
+  <p:timing>
+    <p:tnLst>
+      <p:par>
+        <p:cTn id="1" dur="indefinite" restart="never" nodeType="tmRoot">
+          <p:childTnLst>
+            <p:seq concurrent="1" nextAc="seek">
+              <p:cTn id="2" dur="indefinite" nodeType="mainSeq">
+                <p:childTnLst>
+                  <p:par>
+                    <p:cTn id="3" fill="hold">
+                      <p:stCondLst>
+                        <p:cond delay="indefinite"/>
+                      </p:stCondLst>
+                      <p:childTnLst>
+                        <p:par>
+                          <p:cTn id="4" fill="hold">
+                            <p:stCondLst>
+                              <p:cond delay="0"/>
+                            </p:stCondLst>
+                            <p:childTnLst>
+                              <p:par>
+                                <p:cTn id="5" presetID="1" presetClass="exit" presetSubtype="0" fill="hold" nodeType="clickEffect">
+                                  <p:stCondLst>
+                                    <p:cond delay="0"/>
+                                  </p:stCondLst>
+                                  <p:childTnLst>
+                                    <p:set>
+                                      <p:cBhvr>
+                                        <p:cTn id="6" dur="1" fill="hold">
+                                          <p:stCondLst>
+                                            <p:cond delay="0"/>
+                                          </p:stCondLst>
+                                        </p:cTn>
+                                        <p:tgtEl>
+                                          <p:spTgt spid="8"/>
+                                        </p:tgtEl>
+                                        <p:attrNameLst>
+                                          <p:attrName>style.visibility</p:attrName>
+                                        </p:attrNameLst>
+                                      </p:cBhvr>
+                                      <p:to>
+                                        <p:strVal val="hidden"/>
+                                      </p:to>
+                                    </p:set>
+                                  </p:childTnLst>
+                                </p:cTn>
+                              </p:par>
+                            </p:childTnLst>
+                          </p:cTn>
+                        </p:par>
+                        <p:par>
+                          <p:cTn id="7" fill="hold">
+                            <p:stCondLst>
+                              <p:cond delay="0"/>
+                            </p:stCondLst>
+                            <p:childTnLst>
+                              <p:par>
+                                <p:cTn id="8" presetID="1" presetClass="entr" presetSubtype="0" fill="hold" grpId="0" nodeType="afterEffect">
+                                  <p:stCondLst>
+                                    <p:cond delay="500"/>
+                                  </p:stCondLst>
+                                  <p:childTnLst>
+                                    <p:set>
+                                      <p:cBhvr>
+                                        <p:cTn id="9" dur="1" fill="hold">
+                                          <p:stCondLst>
+                                            <p:cond delay="0"/>
+                                          </p:stCondLst>
+                                        </p:cTn>
+                                        <p:tgtEl>
+                                          <p:spTgt spid="12"/>
+                                        </p:tgtEl>
+                                        <p:attrNameLst>
+                                          <p:attrName>style.visibility</p:attrName>
+                                        </p:attrNameLst>
+                                      </p:cBhvr>
+                                      <p:to>
+                                        <p:strVal val="visible"/>
+                                      </p:to>
+                                    </p:set>
+                                  </p:childTnLst>
+                                </p:cTn>
+                              </p:par>
+                              <p:par>
+                                <p:cTn id="10" presetID="1" presetClass="entr" presetSubtype="0" fill="hold" nodeType="withEffect">
+                                  <p:stCondLst>
+                                    <p:cond delay="500"/>
+                                  </p:stCondLst>
+                                  <p:childTnLst>
+                                    <p:set>
+                                      <p:cBhvr>
+                                        <p:cTn id="11" dur="1" fill="hold">
+                                          <p:stCondLst>
+                                            <p:cond delay="0"/>
+                                          </p:stCondLst>
+                                        </p:cTn>
+                                        <p:tgtEl>
+                                          <p:spTgt spid="24"/>
+                                        </p:tgtEl>
+                                        <p:attrNameLst>
+                                          <p:attrName>style.visibility</p:attrName>
+                                        </p:attrNameLst>
+                                      </p:cBhvr>
+                                      <p:to>
+                                        <p:strVal val="visible"/>
+                                      </p:to>
+                                    </p:set>
+                                  </p:childTnLst>
+                                </p:cTn>
+                              </p:par>
+                            </p:childTnLst>
+                          </p:cTn>
+                        </p:par>
+                        <p:par>
+                          <p:cTn id="12" fill="hold">
+                            <p:stCondLst>
+                              <p:cond delay="500"/>
+                            </p:stCondLst>
+                            <p:childTnLst>
+                              <p:par>
+                                <p:cTn id="13" presetID="1" presetClass="entr" presetSubtype="0" fill="hold" nodeType="afterEffect">
+                                  <p:stCondLst>
+                                    <p:cond delay="500"/>
+                                  </p:stCondLst>
+                                  <p:childTnLst>
+                                    <p:set>
+                                      <p:cBhvr>
+                                        <p:cTn id="14" dur="1" fill="hold">
+                                          <p:stCondLst>
+                                            <p:cond delay="0"/>
+                                          </p:stCondLst>
+                                        </p:cTn>
+                                        <p:tgtEl>
+                                          <p:spTgt spid="32"/>
+                                        </p:tgtEl>
+                                        <p:attrNameLst>
+                                          <p:attrName>style.visibility</p:attrName>
+                                        </p:attrNameLst>
+                                      </p:cBhvr>
+                                      <p:to>
+                                        <p:strVal val="visible"/>
+                                      </p:to>
+                                    </p:set>
+                                  </p:childTnLst>
+                                </p:cTn>
+                              </p:par>
+                              <p:par>
+                                <p:cTn id="15" presetID="1" presetClass="entr" presetSubtype="0" fill="hold" grpId="0" nodeType="withEffect">
+                                  <p:stCondLst>
+                                    <p:cond delay="500"/>
+                                  </p:stCondLst>
+                                  <p:childTnLst>
+                                    <p:set>
+                                      <p:cBhvr>
+                                        <p:cTn id="16" dur="1" fill="hold">
+                                          <p:stCondLst>
+                                            <p:cond delay="0"/>
+                                          </p:stCondLst>
+                                        </p:cTn>
+                                        <p:tgtEl>
+                                          <p:spTgt spid="16"/>
+                                        </p:tgtEl>
+                                        <p:attrNameLst>
+                                          <p:attrName>style.visibility</p:attrName>
+                                        </p:attrNameLst>
+                                      </p:cBhvr>
+                                      <p:to>
+                                        <p:strVal val="visible"/>
+                                      </p:to>
+                                    </p:set>
+                                  </p:childTnLst>
+                                </p:cTn>
+                              </p:par>
+                              <p:par>
+                                <p:cTn id="17" presetID="1" presetClass="exit" presetSubtype="0" fill="hold" nodeType="withEffect">
+                                  <p:stCondLst>
+                                    <p:cond delay="500"/>
+                                  </p:stCondLst>
+                                  <p:childTnLst>
+                                    <p:set>
+                                      <p:cBhvr>
+                                        <p:cTn id="18" dur="1" fill="hold">
+                                          <p:stCondLst>
+                                            <p:cond delay="0"/>
+                                          </p:stCondLst>
+                                        </p:cTn>
+                                        <p:tgtEl>
+                                          <p:spTgt spid="24"/>
+                                        </p:tgtEl>
+                                        <p:attrNameLst>
+                                          <p:attrName>style.visibility</p:attrName>
+                                        </p:attrNameLst>
+                                      </p:cBhvr>
+                                      <p:to>
+                                        <p:strVal val="hidden"/>
+                                      </p:to>
+                                    </p:set>
+                                  </p:childTnLst>
+                                </p:cTn>
+                              </p:par>
+                            </p:childTnLst>
+                          </p:cTn>
+                        </p:par>
+                        <p:par>
+                          <p:cTn id="19" fill="hold">
+                            <p:stCondLst>
+                              <p:cond delay="1000"/>
+                            </p:stCondLst>
+                            <p:childTnLst>
+                              <p:par>
+                                <p:cTn id="20" presetID="1" presetClass="entr" presetSubtype="0" fill="hold" nodeType="afterEffect">
+                                  <p:stCondLst>
+                                    <p:cond delay="500"/>
+                                  </p:stCondLst>
+                                  <p:childTnLst>
+                                    <p:set>
+                                      <p:cBhvr>
+                                        <p:cTn id="21" dur="1" fill="hold">
+                                          <p:stCondLst>
+                                            <p:cond delay="0"/>
+                                          </p:stCondLst>
+                                        </p:cTn>
+                                        <p:tgtEl>
+                                          <p:spTgt spid="26"/>
+                                        </p:tgtEl>
+                                        <p:attrNameLst>
+                                          <p:attrName>style.visibility</p:attrName>
+                                        </p:attrNameLst>
+                                      </p:cBhvr>
+                                      <p:to>
+                                        <p:strVal val="visible"/>
+                                      </p:to>
+                                    </p:set>
+                                  </p:childTnLst>
+                                </p:cTn>
+                              </p:par>
+                              <p:par>
+                                <p:cTn id="22" presetID="1" presetClass="entr" presetSubtype="0" fill="hold" grpId="0" nodeType="withEffect">
+                                  <p:stCondLst>
+                                    <p:cond delay="500"/>
+                                  </p:stCondLst>
+                                  <p:childTnLst>
+                                    <p:set>
+                                      <p:cBhvr>
+                                        <p:cTn id="23" dur="1" fill="hold">
+                                          <p:stCondLst>
+                                            <p:cond delay="0"/>
+                                          </p:stCondLst>
+                                        </p:cTn>
+                                        <p:tgtEl>
+                                          <p:spTgt spid="14"/>
+                                        </p:tgtEl>
+                                        <p:attrNameLst>
+                                          <p:attrName>style.visibility</p:attrName>
+                                        </p:attrNameLst>
+                                      </p:cBhvr>
+                                      <p:to>
+                                        <p:strVal val="visible"/>
+                                      </p:to>
+                                    </p:set>
+                                  </p:childTnLst>
+                                </p:cTn>
+                              </p:par>
+                              <p:par>
+                                <p:cTn id="24" presetID="1" presetClass="exit" presetSubtype="0" fill="hold" nodeType="withEffect">
+                                  <p:stCondLst>
+                                    <p:cond delay="500"/>
+                                  </p:stCondLst>
+                                  <p:childTnLst>
+                                    <p:set>
+                                      <p:cBhvr>
+                                        <p:cTn id="25" dur="1" fill="hold">
+                                          <p:stCondLst>
+                                            <p:cond delay="0"/>
+                                          </p:stCondLst>
+                                        </p:cTn>
+                                        <p:tgtEl>
+                                          <p:spTgt spid="32"/>
+                                        </p:tgtEl>
+                                        <p:attrNameLst>
+                                          <p:attrName>style.visibility</p:attrName>
+                                        </p:attrNameLst>
+                                      </p:cBhvr>
+                                      <p:to>
+                                        <p:strVal val="hidden"/>
+                                      </p:to>
+                                    </p:set>
+                                  </p:childTnLst>
+                                </p:cTn>
+                              </p:par>
+                            </p:childTnLst>
+                          </p:cTn>
+                        </p:par>
+                        <p:par>
+                          <p:cTn id="26" fill="hold">
+                            <p:stCondLst>
+                              <p:cond delay="1500"/>
+                            </p:stCondLst>
+                            <p:childTnLst>
+                              <p:par>
+                                <p:cTn id="27" presetID="1" presetClass="entr" presetSubtype="0" fill="hold" nodeType="afterEffect">
+                                  <p:stCondLst>
+                                    <p:cond delay="500"/>
+                                  </p:stCondLst>
+                                  <p:childTnLst>
+                                    <p:set>
+                                      <p:cBhvr>
+                                        <p:cTn id="28" dur="1" fill="hold">
+                                          <p:stCondLst>
+                                            <p:cond delay="0"/>
+                                          </p:stCondLst>
+                                        </p:cTn>
+                                        <p:tgtEl>
+                                          <p:spTgt spid="28"/>
+                                        </p:tgtEl>
+                                        <p:attrNameLst>
+                                          <p:attrName>style.visibility</p:attrName>
+                                        </p:attrNameLst>
+                                      </p:cBhvr>
+                                      <p:to>
+                                        <p:strVal val="visible"/>
+                                      </p:to>
+                                    </p:set>
+                                  </p:childTnLst>
+                                </p:cTn>
+                              </p:par>
+                              <p:par>
+                                <p:cTn id="29" presetID="1" presetClass="entr" presetSubtype="0" fill="hold" grpId="0" nodeType="withEffect">
+                                  <p:stCondLst>
+                                    <p:cond delay="500"/>
+                                  </p:stCondLst>
+                                  <p:childTnLst>
+                                    <p:set>
+                                      <p:cBhvr>
+                                        <p:cTn id="30" dur="1" fill="hold">
+                                          <p:stCondLst>
+                                            <p:cond delay="0"/>
+                                          </p:stCondLst>
+                                        </p:cTn>
+                                        <p:tgtEl>
+                                          <p:spTgt spid="20"/>
+                                        </p:tgtEl>
+                                        <p:attrNameLst>
+                                          <p:attrName>style.visibility</p:attrName>
+                                        </p:attrNameLst>
+                                      </p:cBhvr>
+                                      <p:to>
+                                        <p:strVal val="visible"/>
+                                      </p:to>
+                                    </p:set>
+                                  </p:childTnLst>
+                                </p:cTn>
+                              </p:par>
+                              <p:par>
+                                <p:cTn id="31" presetID="1" presetClass="exit" presetSubtype="0" fill="hold" nodeType="withEffect">
+                                  <p:stCondLst>
+                                    <p:cond delay="500"/>
+                                  </p:stCondLst>
+                                  <p:childTnLst>
+                                    <p:set>
+                                      <p:cBhvr>
+                                        <p:cTn id="32" dur="1" fill="hold">
+                                          <p:stCondLst>
+                                            <p:cond delay="0"/>
+                                          </p:stCondLst>
+                                        </p:cTn>
+                                        <p:tgtEl>
+                                          <p:spTgt spid="26"/>
+                                        </p:tgtEl>
+                                        <p:attrNameLst>
+                                          <p:attrName>style.visibility</p:attrName>
+                                        </p:attrNameLst>
+                                      </p:cBhvr>
+                                      <p:to>
+                                        <p:strVal val="hidden"/>
+                                      </p:to>
+                                    </p:set>
+                                  </p:childTnLst>
+                                </p:cTn>
+                              </p:par>
+                            </p:childTnLst>
+                          </p:cTn>
+                        </p:par>
+                        <p:par>
+                          <p:cTn id="33" fill="hold">
+                            <p:stCondLst>
+                              <p:cond delay="2000"/>
+                            </p:stCondLst>
+                            <p:childTnLst>
+                              <p:par>
+                                <p:cTn id="34" presetID="1" presetClass="entr" presetSubtype="0" fill="hold" nodeType="afterEffect">
+                                  <p:stCondLst>
+                                    <p:cond delay="500"/>
+                                  </p:stCondLst>
+                                  <p:childTnLst>
+                                    <p:set>
+                                      <p:cBhvr>
+                                        <p:cTn id="35" dur="1" fill="hold">
+                                          <p:stCondLst>
+                                            <p:cond delay="0"/>
+                                          </p:stCondLst>
+                                        </p:cTn>
+                                        <p:tgtEl>
+                                          <p:spTgt spid="34"/>
+                                        </p:tgtEl>
+                                        <p:attrNameLst>
+                                          <p:attrName>style.visibility</p:attrName>
+                                        </p:attrNameLst>
+                                      </p:cBhvr>
+                                      <p:to>
+                                        <p:strVal val="visible"/>
+                                      </p:to>
+                                    </p:set>
+                                  </p:childTnLst>
+                                </p:cTn>
+                              </p:par>
+                              <p:par>
+                                <p:cTn id="36" presetID="1" presetClass="entr" presetSubtype="0" fill="hold" grpId="0" nodeType="withEffect">
+                                  <p:stCondLst>
+                                    <p:cond delay="500"/>
+                                  </p:stCondLst>
+                                  <p:childTnLst>
+                                    <p:set>
+                                      <p:cBhvr>
+                                        <p:cTn id="37" dur="1" fill="hold">
+                                          <p:stCondLst>
+                                            <p:cond delay="0"/>
+                                          </p:stCondLst>
+                                        </p:cTn>
+                                        <p:tgtEl>
+                                          <p:spTgt spid="22"/>
+                                        </p:tgtEl>
+                                        <p:attrNameLst>
+                                          <p:attrName>style.visibility</p:attrName>
+                                        </p:attrNameLst>
+                                      </p:cBhvr>
+                                      <p:to>
+                                        <p:strVal val="visible"/>
+                                      </p:to>
+                                    </p:set>
+                                  </p:childTnLst>
+                                </p:cTn>
+                              </p:par>
+                              <p:par>
+                                <p:cTn id="38" presetID="1" presetClass="exit" presetSubtype="0" fill="hold" nodeType="withEffect">
+                                  <p:stCondLst>
+                                    <p:cond delay="500"/>
+                                  </p:stCondLst>
+                                  <p:childTnLst>
+                                    <p:set>
+                                      <p:cBhvr>
+                                        <p:cTn id="39" dur="1" fill="hold">
+                                          <p:stCondLst>
+                                            <p:cond delay="0"/>
+                                          </p:stCondLst>
+                                        </p:cTn>
+                                        <p:tgtEl>
+                                          <p:spTgt spid="28"/>
+                                        </p:tgtEl>
+                                        <p:attrNameLst>
+                                          <p:attrName>style.visibility</p:attrName>
+                                        </p:attrNameLst>
+                                      </p:cBhvr>
+                                      <p:to>
+                                        <p:strVal val="hidden"/>
+                                      </p:to>
+                                    </p:set>
+                                  </p:childTnLst>
+                                </p:cTn>
+                              </p:par>
+                            </p:childTnLst>
+                          </p:cTn>
+                        </p:par>
+                        <p:par>
+                          <p:cTn id="40" fill="hold">
+                            <p:stCondLst>
+                              <p:cond delay="2500"/>
+                            </p:stCondLst>
+                            <p:childTnLst>
+                              <p:par>
+                                <p:cTn id="41" presetID="1" presetClass="entr" presetSubtype="0" fill="hold" nodeType="afterEffect">
+                                  <p:stCondLst>
+                                    <p:cond delay="500"/>
+                                  </p:stCondLst>
+                                  <p:childTnLst>
+                                    <p:set>
+                                      <p:cBhvr>
+                                        <p:cTn id="42" dur="1" fill="hold">
+                                          <p:stCondLst>
+                                            <p:cond delay="0"/>
+                                          </p:stCondLst>
+                                        </p:cTn>
+                                        <p:tgtEl>
+                                          <p:spTgt spid="30"/>
+                                        </p:tgtEl>
+                                        <p:attrNameLst>
+                                          <p:attrName>style.visibility</p:attrName>
+                                        </p:attrNameLst>
+                                      </p:cBhvr>
+                                      <p:to>
+                                        <p:strVal val="visible"/>
+                                      </p:to>
+                                    </p:set>
+                                  </p:childTnLst>
+                                </p:cTn>
+                              </p:par>
+                              <p:par>
+                                <p:cTn id="43" presetID="1" presetClass="entr" presetSubtype="0" fill="hold" grpId="0" nodeType="withEffect">
+                                  <p:stCondLst>
+                                    <p:cond delay="500"/>
+                                  </p:stCondLst>
+                                  <p:childTnLst>
+                                    <p:set>
+                                      <p:cBhvr>
+                                        <p:cTn id="44" dur="1" fill="hold">
+                                          <p:stCondLst>
+                                            <p:cond delay="0"/>
+                                          </p:stCondLst>
+                                        </p:cTn>
+                                        <p:tgtEl>
+                                          <p:spTgt spid="18"/>
+                                        </p:tgtEl>
+                                        <p:attrNameLst>
+                                          <p:attrName>style.visibility</p:attrName>
+                                        </p:attrNameLst>
+                                      </p:cBhvr>
+                                      <p:to>
+                                        <p:strVal val="visible"/>
+                                      </p:to>
+                                    </p:set>
+                                  </p:childTnLst>
+                                </p:cTn>
+                              </p:par>
+                              <p:par>
+                                <p:cTn id="45" presetID="1" presetClass="exit" presetSubtype="0" fill="hold" nodeType="withEffect">
+                                  <p:stCondLst>
+                                    <p:cond delay="500"/>
+                                  </p:stCondLst>
+                                  <p:childTnLst>
+                                    <p:set>
+                                      <p:cBhvr>
+                                        <p:cTn id="46" dur="1" fill="hold">
+                                          <p:stCondLst>
+                                            <p:cond delay="0"/>
+                                          </p:stCondLst>
+                                        </p:cTn>
+                                        <p:tgtEl>
+                                          <p:spTgt spid="34"/>
+                                        </p:tgtEl>
+                                        <p:attrNameLst>
+                                          <p:attrName>style.visibility</p:attrName>
+                                        </p:attrNameLst>
+                                      </p:cBhvr>
+                                      <p:to>
+                                        <p:strVal val="hidden"/>
+                                      </p:to>
+                                    </p:set>
+                                  </p:childTnLst>
+                                </p:cTn>
+                              </p:par>
+                            </p:childTnLst>
+                          </p:cTn>
+                        </p:par>
+                        <p:par>
+                          <p:cTn id="47" fill="hold">
+                            <p:stCondLst>
+                              <p:cond delay="3000"/>
+                            </p:stCondLst>
+                            <p:childTnLst>
+                              <p:par>
+                                <p:cTn id="48" presetID="1" presetClass="entr" presetSubtype="0" fill="hold" nodeType="afterEffect">
+                                  <p:stCondLst>
+                                    <p:cond delay="500"/>
+                                  </p:stCondLst>
+                                  <p:childTnLst>
+                                    <p:set>
+                                      <p:cBhvr>
+                                        <p:cTn id="49" dur="1" fill="hold">
+                                          <p:stCondLst>
+                                            <p:cond delay="0"/>
+                                          </p:stCondLst>
+                                        </p:cTn>
+                                        <p:tgtEl>
+                                          <p:spTgt spid="36"/>
+                                        </p:tgtEl>
+                                        <p:attrNameLst>
+                                          <p:attrName>style.visibility</p:attrName>
+                                        </p:attrNameLst>
+                                      </p:cBhvr>
+                                      <p:to>
+                                        <p:strVal val="visible"/>
+                                      </p:to>
+                                    </p:set>
+                                  </p:childTnLst>
+                                </p:cTn>
+                              </p:par>
+                              <p:par>
+                                <p:cTn id="50" presetID="1" presetClass="exit" presetSubtype="0" fill="hold" nodeType="withEffect">
+                                  <p:stCondLst>
+                                    <p:cond delay="500"/>
+                                  </p:stCondLst>
+                                  <p:childTnLst>
+                                    <p:set>
+                                      <p:cBhvr>
+                                        <p:cTn id="51" dur="1" fill="hold">
+                                          <p:stCondLst>
+                                            <p:cond delay="0"/>
+                                          </p:stCondLst>
+                                        </p:cTn>
+                                        <p:tgtEl>
+                                          <p:spTgt spid="30"/>
+                                        </p:tgtEl>
+                                        <p:attrNameLst>
+                                          <p:attrName>style.visibility</p:attrName>
+                                        </p:attrNameLst>
+                                      </p:cBhvr>
+                                      <p:to>
+                                        <p:strVal val="hidden"/>
+                                      </p:to>
+                                    </p:set>
+                                  </p:childTnLst>
+                                </p:cTn>
+                              </p:par>
+                            </p:childTnLst>
+                          </p:cTn>
+                        </p:par>
+                      </p:childTnLst>
+                    </p:cTn>
+                  </p:par>
+                </p:childTnLst>
+              </p:cTn>
+              <p:prevCondLst>
+                <p:cond evt="onPrev" delay="0">
+                  <p:tgtEl>
+                    <p:sldTgt/>
+                  </p:tgtEl>
+                </p:cond>
+              </p:prevCondLst>
+              <p:nextCondLst>
+                <p:cond evt="onNext" delay="0">
+                  <p:tgtEl>
+                    <p:sldTgt/>
+                  </p:tgtEl>
+                </p:cond>
+              </p:nextCondLst>
+            </p:seq>
+          </p:childTnLst>
+        </p:cTn>
+      </p:par>
+    </p:tnLst>
+    <p:bldLst>
+      <p:bldP spid="12" grpId="0" animBg="1"/>
+      <p:bldP spid="14" grpId="0" animBg="1"/>
+      <p:bldP spid="16" grpId="0" animBg="1"/>
+      <p:bldP spid="18" grpId="0" animBg="1"/>
+      <p:bldP spid="20" grpId="0" animBg="1"/>
+      <p:bldP spid="22" grpId="0" animBg="1"/>
+    </p:bldLst>
+  </p:timing>
 </p:sld>
 </file>
 
@@ -4501,7 +6008,7 @@
         </p:blipFill>
         <p:spPr>
           <a:xfrm>
-            <a:off x="5139690" y="2284840"/>
+            <a:off x="5277329" y="2359550"/>
             <a:ext cx="6667500" cy="2781300"/>
           </a:xfrm>
           <a:prstGeom prst="rect">
@@ -4511,10 +6018,10 @@
       </p:pic>
       <p:sp>
         <p:nvSpPr>
-          <p:cNvPr id="15" name="Speech Bubble: Rectangle 14">
-            <a:extLst>
-              <a:ext uri="{FF2B5EF4-FFF2-40B4-BE49-F238E27FC236}">
-                <a16:creationId xmlns:a16="http://schemas.microsoft.com/office/drawing/2014/main" id="{5E6944E4-950C-47F0-AAE2-5D9A395B297C}"/>
+          <p:cNvPr id="3" name="Oval 2">
+            <a:extLst>
+              <a:ext uri="{FF2B5EF4-FFF2-40B4-BE49-F238E27FC236}">
+                <a16:creationId xmlns:a16="http://schemas.microsoft.com/office/drawing/2014/main" id="{32E9BCE1-CE68-49BC-8CBC-88C8A56F6AFD}"/>
               </a:ext>
             </a:extLst>
           </p:cNvPr>
@@ -4523,15 +6030,13 @@
         </p:nvSpPr>
         <p:spPr>
           <a:xfrm>
-            <a:off x="6583680" y="2687541"/>
-            <a:ext cx="890546" cy="580445"/>
-          </a:xfrm>
-          <a:prstGeom prst="wedgeRectCallout">
-            <a:avLst>
-              <a:gd name="adj1" fmla="val -20833"/>
-              <a:gd name="adj2" fmla="val 83255"/>
-            </a:avLst>
+            <a:off x="6710901" y="3351476"/>
+            <a:ext cx="238539" cy="238539"/>
+          </a:xfrm>
+          <a:prstGeom prst="ellipse">
+            <a:avLst/>
           </a:prstGeom>
+          <a:noFill/>
         </p:spPr>
         <p:style>
           <a:lnRef idx="2">
@@ -4554,20 +6059,16 @@
           <a:lstStyle/>
           <a:p>
             <a:pPr algn="ctr"/>
-            <a:r>
-              <a:rPr lang="en-IE" dirty="0"/>
-              <a:t>Salary paid</a:t>
-            </a:r>
-            <a:endParaRPr lang="en-GB" dirty="0"/>
-          </a:p>
-        </p:txBody>
-      </p:sp>
-      <p:sp>
-        <p:nvSpPr>
-          <p:cNvPr id="17" name="Speech Bubble: Rectangle 16">
-            <a:extLst>
-              <a:ext uri="{FF2B5EF4-FFF2-40B4-BE49-F238E27FC236}">
-                <a16:creationId xmlns:a16="http://schemas.microsoft.com/office/drawing/2014/main" id="{0A1398A7-C781-404E-92B4-AFD7E18C3855}"/>
+            <a:endParaRPr lang="en-GB"/>
+          </a:p>
+        </p:txBody>
+      </p:sp>
+      <p:sp>
+        <p:nvSpPr>
+          <p:cNvPr id="6" name="Oval 5">
+            <a:extLst>
+              <a:ext uri="{FF2B5EF4-FFF2-40B4-BE49-F238E27FC236}">
+                <a16:creationId xmlns:a16="http://schemas.microsoft.com/office/drawing/2014/main" id="{FF7E0548-2FFA-44AB-B56A-57D55236DF46}"/>
               </a:ext>
             </a:extLst>
           </p:cNvPr>
@@ -4576,18 +6077,13 @@
         </p:nvSpPr>
         <p:spPr>
           <a:xfrm>
-            <a:off x="8715954" y="3746389"/>
-            <a:ext cx="1254982" cy="580445"/>
-          </a:xfrm>
-          <a:prstGeom prst="wedgeRectCallout">
-            <a:avLst>
-              <a:gd name="adj1" fmla="val -20833"/>
-              <a:gd name="adj2" fmla="val 83255"/>
-            </a:avLst>
+            <a:off x="8962445" y="4376362"/>
+            <a:ext cx="238539" cy="238539"/>
+          </a:xfrm>
+          <a:prstGeom prst="ellipse">
+            <a:avLst/>
           </a:prstGeom>
-          <a:solidFill>
-            <a:srgbClr val="FF0000"/>
-          </a:solidFill>
+          <a:noFill/>
         </p:spPr>
         <p:style>
           <a:lnRef idx="2">
@@ -4610,6 +6106,340 @@
           <a:lstStyle/>
           <a:p>
             <a:pPr algn="ctr"/>
+            <a:endParaRPr lang="en-GB"/>
+          </a:p>
+        </p:txBody>
+      </p:sp>
+      <p:sp>
+        <p:nvSpPr>
+          <p:cNvPr id="7" name="Oval 6">
+            <a:extLst>
+              <a:ext uri="{FF2B5EF4-FFF2-40B4-BE49-F238E27FC236}">
+                <a16:creationId xmlns:a16="http://schemas.microsoft.com/office/drawing/2014/main" id="{9F42963F-6647-435D-A8EB-43BEBCA75925}"/>
+              </a:ext>
+            </a:extLst>
+          </p:cNvPr>
+          <p:cNvSpPr/>
+          <p:nvPr/>
+        </p:nvSpPr>
+        <p:spPr>
+          <a:xfrm>
+            <a:off x="6384897" y="3025472"/>
+            <a:ext cx="890546" cy="890546"/>
+          </a:xfrm>
+          <a:prstGeom prst="ellipse">
+            <a:avLst/>
+          </a:prstGeom>
+          <a:noFill/>
+        </p:spPr>
+        <p:style>
+          <a:lnRef idx="2">
+            <a:schemeClr val="accent1">
+              <a:shade val="50000"/>
+            </a:schemeClr>
+          </a:lnRef>
+          <a:fillRef idx="1">
+            <a:schemeClr val="accent1"/>
+          </a:fillRef>
+          <a:effectRef idx="0">
+            <a:schemeClr val="accent1"/>
+          </a:effectRef>
+          <a:fontRef idx="minor">
+            <a:schemeClr val="lt1"/>
+          </a:fontRef>
+        </p:style>
+        <p:txBody>
+          <a:bodyPr rtlCol="0" anchor="ctr"/>
+          <a:lstStyle/>
+          <a:p>
+            <a:pPr algn="ctr"/>
+            <a:endParaRPr lang="en-GB"/>
+          </a:p>
+        </p:txBody>
+      </p:sp>
+      <p:sp>
+        <p:nvSpPr>
+          <p:cNvPr id="8" name="Oval 7">
+            <a:extLst>
+              <a:ext uri="{FF2B5EF4-FFF2-40B4-BE49-F238E27FC236}">
+                <a16:creationId xmlns:a16="http://schemas.microsoft.com/office/drawing/2014/main" id="{D31DB061-8946-497A-85DA-A9AAA8E8460E}"/>
+              </a:ext>
+            </a:extLst>
+          </p:cNvPr>
+          <p:cNvSpPr/>
+          <p:nvPr/>
+        </p:nvSpPr>
+        <p:spPr>
+          <a:xfrm>
+            <a:off x="8636441" y="4050358"/>
+            <a:ext cx="890546" cy="890546"/>
+          </a:xfrm>
+          <a:prstGeom prst="ellipse">
+            <a:avLst/>
+          </a:prstGeom>
+          <a:noFill/>
+        </p:spPr>
+        <p:style>
+          <a:lnRef idx="2">
+            <a:schemeClr val="accent1">
+              <a:shade val="50000"/>
+            </a:schemeClr>
+          </a:lnRef>
+          <a:fillRef idx="1">
+            <a:schemeClr val="accent1"/>
+          </a:fillRef>
+          <a:effectRef idx="0">
+            <a:schemeClr val="accent1"/>
+          </a:effectRef>
+          <a:fontRef idx="minor">
+            <a:schemeClr val="lt1"/>
+          </a:fontRef>
+        </p:style>
+        <p:txBody>
+          <a:bodyPr rtlCol="0" anchor="ctr"/>
+          <a:lstStyle/>
+          <a:p>
+            <a:pPr algn="ctr"/>
+            <a:endParaRPr lang="en-GB"/>
+          </a:p>
+        </p:txBody>
+      </p:sp>
+      <p:sp>
+        <p:nvSpPr>
+          <p:cNvPr id="10" name="Oval 9">
+            <a:extLst>
+              <a:ext uri="{FF2B5EF4-FFF2-40B4-BE49-F238E27FC236}">
+                <a16:creationId xmlns:a16="http://schemas.microsoft.com/office/drawing/2014/main" id="{BDA8E201-520E-40B2-9FE7-014FA04460CF}"/>
+              </a:ext>
+            </a:extLst>
+          </p:cNvPr>
+          <p:cNvSpPr/>
+          <p:nvPr/>
+        </p:nvSpPr>
+        <p:spPr>
+          <a:xfrm>
+            <a:off x="5804452" y="2403282"/>
+            <a:ext cx="2051436" cy="2051436"/>
+          </a:xfrm>
+          <a:prstGeom prst="ellipse">
+            <a:avLst/>
+          </a:prstGeom>
+          <a:noFill/>
+        </p:spPr>
+        <p:style>
+          <a:lnRef idx="2">
+            <a:schemeClr val="accent1">
+              <a:shade val="50000"/>
+            </a:schemeClr>
+          </a:lnRef>
+          <a:fillRef idx="1">
+            <a:schemeClr val="accent1"/>
+          </a:fillRef>
+          <a:effectRef idx="0">
+            <a:schemeClr val="accent1"/>
+          </a:effectRef>
+          <a:fontRef idx="minor">
+            <a:schemeClr val="lt1"/>
+          </a:fontRef>
+        </p:style>
+        <p:txBody>
+          <a:bodyPr rtlCol="0" anchor="ctr"/>
+          <a:lstStyle/>
+          <a:p>
+            <a:pPr algn="ctr"/>
+            <a:endParaRPr lang="en-GB"/>
+          </a:p>
+        </p:txBody>
+      </p:sp>
+      <p:sp>
+        <p:nvSpPr>
+          <p:cNvPr id="11" name="Oval 10">
+            <a:extLst>
+              <a:ext uri="{FF2B5EF4-FFF2-40B4-BE49-F238E27FC236}">
+                <a16:creationId xmlns:a16="http://schemas.microsoft.com/office/drawing/2014/main" id="{E3692B92-C237-4001-99B6-37B888122255}"/>
+              </a:ext>
+            </a:extLst>
+          </p:cNvPr>
+          <p:cNvSpPr/>
+          <p:nvPr/>
+        </p:nvSpPr>
+        <p:spPr>
+          <a:xfrm>
+            <a:off x="8055996" y="3583388"/>
+            <a:ext cx="2051436" cy="2051436"/>
+          </a:xfrm>
+          <a:prstGeom prst="ellipse">
+            <a:avLst/>
+          </a:prstGeom>
+          <a:noFill/>
+        </p:spPr>
+        <p:style>
+          <a:lnRef idx="2">
+            <a:schemeClr val="accent1">
+              <a:shade val="50000"/>
+            </a:schemeClr>
+          </a:lnRef>
+          <a:fillRef idx="1">
+            <a:schemeClr val="accent1"/>
+          </a:fillRef>
+          <a:effectRef idx="0">
+            <a:schemeClr val="accent1"/>
+          </a:effectRef>
+          <a:fontRef idx="minor">
+            <a:schemeClr val="lt1"/>
+          </a:fontRef>
+        </p:style>
+        <p:txBody>
+          <a:bodyPr rtlCol="0" anchor="ctr"/>
+          <a:lstStyle/>
+          <a:p>
+            <a:pPr algn="ctr"/>
+            <a:endParaRPr lang="en-GB"/>
+          </a:p>
+        </p:txBody>
+      </p:sp>
+      <p:sp>
+        <p:nvSpPr>
+          <p:cNvPr id="18" name="Oval 17">
+            <a:extLst>
+              <a:ext uri="{FF2B5EF4-FFF2-40B4-BE49-F238E27FC236}">
+                <a16:creationId xmlns:a16="http://schemas.microsoft.com/office/drawing/2014/main" id="{E78EC0C4-FD18-4A74-8003-1C7C43E36947}"/>
+              </a:ext>
+            </a:extLst>
+          </p:cNvPr>
+          <p:cNvSpPr/>
+          <p:nvPr/>
+        </p:nvSpPr>
+        <p:spPr>
+          <a:xfrm>
+            <a:off x="5398936" y="1878495"/>
+            <a:ext cx="3101009" cy="3101009"/>
+          </a:xfrm>
+          <a:prstGeom prst="ellipse">
+            <a:avLst/>
+          </a:prstGeom>
+          <a:noFill/>
+        </p:spPr>
+        <p:style>
+          <a:lnRef idx="2">
+            <a:schemeClr val="accent1">
+              <a:shade val="50000"/>
+            </a:schemeClr>
+          </a:lnRef>
+          <a:fillRef idx="1">
+            <a:schemeClr val="accent1"/>
+          </a:fillRef>
+          <a:effectRef idx="0">
+            <a:schemeClr val="accent1"/>
+          </a:effectRef>
+          <a:fontRef idx="minor">
+            <a:schemeClr val="lt1"/>
+          </a:fontRef>
+        </p:style>
+        <p:txBody>
+          <a:bodyPr rtlCol="0" anchor="ctr"/>
+          <a:lstStyle/>
+          <a:p>
+            <a:pPr algn="ctr"/>
+            <a:endParaRPr lang="en-GB"/>
+          </a:p>
+        </p:txBody>
+      </p:sp>
+      <p:sp>
+        <p:nvSpPr>
+          <p:cNvPr id="20" name="Oval 19">
+            <a:extLst>
+              <a:ext uri="{FF2B5EF4-FFF2-40B4-BE49-F238E27FC236}">
+                <a16:creationId xmlns:a16="http://schemas.microsoft.com/office/drawing/2014/main" id="{6C7B1B89-8BB2-44D8-8638-13F47E0DD87A}"/>
+              </a:ext>
+            </a:extLst>
+          </p:cNvPr>
+          <p:cNvSpPr/>
+          <p:nvPr/>
+        </p:nvSpPr>
+        <p:spPr>
+          <a:xfrm>
+            <a:off x="7529885" y="3058601"/>
+            <a:ext cx="3101009" cy="3101009"/>
+          </a:xfrm>
+          <a:prstGeom prst="ellipse">
+            <a:avLst/>
+          </a:prstGeom>
+          <a:noFill/>
+        </p:spPr>
+        <p:style>
+          <a:lnRef idx="2">
+            <a:schemeClr val="accent1">
+              <a:shade val="50000"/>
+            </a:schemeClr>
+          </a:lnRef>
+          <a:fillRef idx="1">
+            <a:schemeClr val="accent1"/>
+          </a:fillRef>
+          <a:effectRef idx="0">
+            <a:schemeClr val="accent1"/>
+          </a:effectRef>
+          <a:fontRef idx="minor">
+            <a:schemeClr val="lt1"/>
+          </a:fontRef>
+        </p:style>
+        <p:txBody>
+          <a:bodyPr rtlCol="0" anchor="ctr"/>
+          <a:lstStyle/>
+          <a:p>
+            <a:pPr algn="ctr"/>
+            <a:endParaRPr lang="en-GB"/>
+          </a:p>
+        </p:txBody>
+      </p:sp>
+      <p:sp>
+        <p:nvSpPr>
+          <p:cNvPr id="17" name="Speech Bubble: Rectangle 16">
+            <a:extLst>
+              <a:ext uri="{FF2B5EF4-FFF2-40B4-BE49-F238E27FC236}">
+                <a16:creationId xmlns:a16="http://schemas.microsoft.com/office/drawing/2014/main" id="{0A1398A7-C781-404E-92B4-AFD7E18C3855}"/>
+              </a:ext>
+            </a:extLst>
+          </p:cNvPr>
+          <p:cNvSpPr/>
+          <p:nvPr/>
+        </p:nvSpPr>
+        <p:spPr>
+          <a:xfrm>
+            <a:off x="8715954" y="3746389"/>
+            <a:ext cx="1254982" cy="580445"/>
+          </a:xfrm>
+          <a:prstGeom prst="wedgeRectCallout">
+            <a:avLst>
+              <a:gd name="adj1" fmla="val -20833"/>
+              <a:gd name="adj2" fmla="val 83255"/>
+            </a:avLst>
+          </a:prstGeom>
+          <a:solidFill>
+            <a:srgbClr val="FF0000"/>
+          </a:solidFill>
+        </p:spPr>
+        <p:style>
+          <a:lnRef idx="2">
+            <a:schemeClr val="accent1">
+              <a:shade val="50000"/>
+            </a:schemeClr>
+          </a:lnRef>
+          <a:fillRef idx="1">
+            <a:schemeClr val="accent1"/>
+          </a:fillRef>
+          <a:effectRef idx="0">
+            <a:schemeClr val="accent1"/>
+          </a:effectRef>
+          <a:fontRef idx="minor">
+            <a:schemeClr val="lt1"/>
+          </a:fontRef>
+        </p:style>
+        <p:txBody>
+          <a:bodyPr rtlCol="0" anchor="ctr"/>
+          <a:lstStyle/>
+          <a:p>
+            <a:pPr algn="ctr"/>
             <a:r>
               <a:rPr lang="en-IE" dirty="0"/>
               <a:t>Buys </a:t>
@@ -4617,6 +6447,59 @@
             <a:r>
               <a:rPr lang="en-IE" dirty="0" err="1"/>
               <a:t>Landrover</a:t>
+            </a:r>
+            <a:endParaRPr lang="en-GB" dirty="0"/>
+          </a:p>
+        </p:txBody>
+      </p:sp>
+      <p:sp>
+        <p:nvSpPr>
+          <p:cNvPr id="15" name="Speech Bubble: Rectangle 14">
+            <a:extLst>
+              <a:ext uri="{FF2B5EF4-FFF2-40B4-BE49-F238E27FC236}">
+                <a16:creationId xmlns:a16="http://schemas.microsoft.com/office/drawing/2014/main" id="{5E6944E4-950C-47F0-AAE2-5D9A395B297C}"/>
+              </a:ext>
+            </a:extLst>
+          </p:cNvPr>
+          <p:cNvSpPr/>
+          <p:nvPr/>
+        </p:nvSpPr>
+        <p:spPr>
+          <a:xfrm>
+            <a:off x="6583680" y="2687541"/>
+            <a:ext cx="890546" cy="580445"/>
+          </a:xfrm>
+          <a:prstGeom prst="wedgeRectCallout">
+            <a:avLst>
+              <a:gd name="adj1" fmla="val -20833"/>
+              <a:gd name="adj2" fmla="val 83255"/>
+            </a:avLst>
+          </a:prstGeom>
+        </p:spPr>
+        <p:style>
+          <a:lnRef idx="2">
+            <a:schemeClr val="accent1">
+              <a:shade val="50000"/>
+            </a:schemeClr>
+          </a:lnRef>
+          <a:fillRef idx="1">
+            <a:schemeClr val="accent1"/>
+          </a:fillRef>
+          <a:effectRef idx="0">
+            <a:schemeClr val="accent1"/>
+          </a:effectRef>
+          <a:fontRef idx="minor">
+            <a:schemeClr val="lt1"/>
+          </a:fontRef>
+        </p:style>
+        <p:txBody>
+          <a:bodyPr rtlCol="0" anchor="ctr"/>
+          <a:lstStyle/>
+          <a:p>
+            <a:pPr algn="ctr"/>
+            <a:r>
+              <a:rPr lang="en-IE" dirty="0"/>
+              <a:t>Salary paid</a:t>
             </a:r>
             <a:endParaRPr lang="en-GB" dirty="0"/>
           </a:p>
@@ -4712,6 +6595,267 @@
                       </p:childTnLst>
                     </p:cTn>
                   </p:par>
+                  <p:par>
+                    <p:cTn id="9" fill="hold">
+                      <p:stCondLst>
+                        <p:cond delay="indefinite"/>
+                      </p:stCondLst>
+                      <p:childTnLst>
+                        <p:par>
+                          <p:cTn id="10" fill="hold">
+                            <p:stCondLst>
+                              <p:cond delay="0"/>
+                            </p:stCondLst>
+                            <p:childTnLst>
+                              <p:par>
+                                <p:cTn id="11" presetID="1" presetClass="entr" presetSubtype="0" fill="hold" grpId="0" nodeType="clickEffect">
+                                  <p:stCondLst>
+                                    <p:cond delay="0"/>
+                                  </p:stCondLst>
+                                  <p:childTnLst>
+                                    <p:set>
+                                      <p:cBhvr>
+                                        <p:cTn id="12" dur="1" fill="hold">
+                                          <p:stCondLst>
+                                            <p:cond delay="0"/>
+                                          </p:stCondLst>
+                                        </p:cTn>
+                                        <p:tgtEl>
+                                          <p:spTgt spid="3"/>
+                                        </p:tgtEl>
+                                        <p:attrNameLst>
+                                          <p:attrName>style.visibility</p:attrName>
+                                        </p:attrNameLst>
+                                      </p:cBhvr>
+                                      <p:to>
+                                        <p:strVal val="visible"/>
+                                      </p:to>
+                                    </p:set>
+                                  </p:childTnLst>
+                                </p:cTn>
+                              </p:par>
+                              <p:par>
+                                <p:cTn id="13" presetID="1" presetClass="entr" presetSubtype="0" fill="hold" grpId="0" nodeType="withEffect">
+                                  <p:stCondLst>
+                                    <p:cond delay="0"/>
+                                  </p:stCondLst>
+                                  <p:childTnLst>
+                                    <p:set>
+                                      <p:cBhvr>
+                                        <p:cTn id="14" dur="1" fill="hold">
+                                          <p:stCondLst>
+                                            <p:cond delay="0"/>
+                                          </p:stCondLst>
+                                        </p:cTn>
+                                        <p:tgtEl>
+                                          <p:spTgt spid="6"/>
+                                        </p:tgtEl>
+                                        <p:attrNameLst>
+                                          <p:attrName>style.visibility</p:attrName>
+                                        </p:attrNameLst>
+                                      </p:cBhvr>
+                                      <p:to>
+                                        <p:strVal val="visible"/>
+                                      </p:to>
+                                    </p:set>
+                                  </p:childTnLst>
+                                </p:cTn>
+                              </p:par>
+                            </p:childTnLst>
+                          </p:cTn>
+                        </p:par>
+                        <p:par>
+                          <p:cTn id="15" fill="hold">
+                            <p:stCondLst>
+                              <p:cond delay="0"/>
+                            </p:stCondLst>
+                            <p:childTnLst>
+                              <p:par>
+                                <p:cTn id="16" presetID="1" presetClass="entr" presetSubtype="0" fill="hold" grpId="0" nodeType="afterEffect">
+                                  <p:stCondLst>
+                                    <p:cond delay="500"/>
+                                  </p:stCondLst>
+                                  <p:childTnLst>
+                                    <p:set>
+                                      <p:cBhvr>
+                                        <p:cTn id="17" dur="1" fill="hold">
+                                          <p:stCondLst>
+                                            <p:cond delay="0"/>
+                                          </p:stCondLst>
+                                        </p:cTn>
+                                        <p:tgtEl>
+                                          <p:spTgt spid="7"/>
+                                        </p:tgtEl>
+                                        <p:attrNameLst>
+                                          <p:attrName>style.visibility</p:attrName>
+                                        </p:attrNameLst>
+                                      </p:cBhvr>
+                                      <p:to>
+                                        <p:strVal val="visible"/>
+                                      </p:to>
+                                    </p:set>
+                                  </p:childTnLst>
+                                </p:cTn>
+                              </p:par>
+                              <p:par>
+                                <p:cTn id="18" presetID="1" presetClass="entr" presetSubtype="0" fill="hold" grpId="0" nodeType="withEffect">
+                                  <p:stCondLst>
+                                    <p:cond delay="500"/>
+                                  </p:stCondLst>
+                                  <p:childTnLst>
+                                    <p:set>
+                                      <p:cBhvr>
+                                        <p:cTn id="19" dur="1" fill="hold">
+                                          <p:stCondLst>
+                                            <p:cond delay="0"/>
+                                          </p:stCondLst>
+                                        </p:cTn>
+                                        <p:tgtEl>
+                                          <p:spTgt spid="8"/>
+                                        </p:tgtEl>
+                                        <p:attrNameLst>
+                                          <p:attrName>style.visibility</p:attrName>
+                                        </p:attrNameLst>
+                                      </p:cBhvr>
+                                      <p:to>
+                                        <p:strVal val="visible"/>
+                                      </p:to>
+                                    </p:set>
+                                  </p:childTnLst>
+                                </p:cTn>
+                              </p:par>
+                            </p:childTnLst>
+                          </p:cTn>
+                        </p:par>
+                        <p:par>
+                          <p:cTn id="20" fill="hold">
+                            <p:stCondLst>
+                              <p:cond delay="500"/>
+                            </p:stCondLst>
+                            <p:childTnLst>
+                              <p:par>
+                                <p:cTn id="21" presetID="1" presetClass="entr" presetSubtype="0" fill="hold" grpId="0" nodeType="afterEffect">
+                                  <p:stCondLst>
+                                    <p:cond delay="500"/>
+                                  </p:stCondLst>
+                                  <p:childTnLst>
+                                    <p:set>
+                                      <p:cBhvr>
+                                        <p:cTn id="22" dur="1" fill="hold">
+                                          <p:stCondLst>
+                                            <p:cond delay="0"/>
+                                          </p:stCondLst>
+                                        </p:cTn>
+                                        <p:tgtEl>
+                                          <p:spTgt spid="10"/>
+                                        </p:tgtEl>
+                                        <p:attrNameLst>
+                                          <p:attrName>style.visibility</p:attrName>
+                                        </p:attrNameLst>
+                                      </p:cBhvr>
+                                      <p:to>
+                                        <p:strVal val="visible"/>
+                                      </p:to>
+                                    </p:set>
+                                  </p:childTnLst>
+                                </p:cTn>
+                              </p:par>
+                              <p:par>
+                                <p:cTn id="23" presetID="1" presetClass="entr" presetSubtype="0" fill="hold" grpId="0" nodeType="withEffect">
+                                  <p:stCondLst>
+                                    <p:cond delay="500"/>
+                                  </p:stCondLst>
+                                  <p:childTnLst>
+                                    <p:set>
+                                      <p:cBhvr>
+                                        <p:cTn id="24" dur="1" fill="hold">
+                                          <p:stCondLst>
+                                            <p:cond delay="0"/>
+                                          </p:stCondLst>
+                                        </p:cTn>
+                                        <p:tgtEl>
+                                          <p:spTgt spid="11"/>
+                                        </p:tgtEl>
+                                        <p:attrNameLst>
+                                          <p:attrName>style.visibility</p:attrName>
+                                        </p:attrNameLst>
+                                      </p:cBhvr>
+                                      <p:to>
+                                        <p:strVal val="visible"/>
+                                      </p:to>
+                                    </p:set>
+                                  </p:childTnLst>
+                                </p:cTn>
+                              </p:par>
+                            </p:childTnLst>
+                          </p:cTn>
+                        </p:par>
+                        <p:par>
+                          <p:cTn id="25" fill="hold">
+                            <p:stCondLst>
+                              <p:cond delay="1000"/>
+                            </p:stCondLst>
+                            <p:childTnLst>
+                              <p:par>
+                                <p:cTn id="26" presetID="1" presetClass="entr" presetSubtype="0" fill="hold" grpId="0" nodeType="afterEffect">
+                                  <p:stCondLst>
+                                    <p:cond delay="500"/>
+                                  </p:stCondLst>
+                                  <p:childTnLst>
+                                    <p:set>
+                                      <p:cBhvr>
+                                        <p:cTn id="27" dur="1" fill="hold">
+                                          <p:stCondLst>
+                                            <p:cond delay="0"/>
+                                          </p:stCondLst>
+                                        </p:cTn>
+                                        <p:tgtEl>
+                                          <p:spTgt spid="20"/>
+                                        </p:tgtEl>
+                                        <p:attrNameLst>
+                                          <p:attrName>style.visibility</p:attrName>
+                                        </p:attrNameLst>
+                                      </p:cBhvr>
+                                      <p:to>
+                                        <p:strVal val="visible"/>
+                                      </p:to>
+                                    </p:set>
+                                  </p:childTnLst>
+                                </p:cTn>
+                              </p:par>
+                              <p:par>
+                                <p:cTn id="28" presetID="1" presetClass="entr" presetSubtype="0" fill="hold" grpId="0" nodeType="withEffect">
+                                  <p:stCondLst>
+                                    <p:cond delay="500"/>
+                                  </p:stCondLst>
+                                  <p:childTnLst>
+                                    <p:set>
+                                      <p:cBhvr>
+                                        <p:cTn id="29" dur="1" fill="hold">
+                                          <p:stCondLst>
+                                            <p:cond delay="0"/>
+                                          </p:stCondLst>
+                                        </p:cTn>
+                                        <p:tgtEl>
+                                          <p:spTgt spid="18"/>
+                                        </p:tgtEl>
+                                        <p:attrNameLst>
+                                          <p:attrName>style.visibility</p:attrName>
+                                        </p:attrNameLst>
+                                      </p:cBhvr>
+                                      <p:to>
+                                        <p:strVal val="visible"/>
+                                      </p:to>
+                                    </p:set>
+                                  </p:childTnLst>
+                                </p:cTn>
+                              </p:par>
+                            </p:childTnLst>
+                          </p:cTn>
+                        </p:par>
+                      </p:childTnLst>
+                    </p:cTn>
+                  </p:par>
                 </p:childTnLst>
               </p:cTn>
               <p:prevCondLst>
@@ -4734,10 +6878,416 @@
       </p:par>
     </p:tnLst>
     <p:bldLst>
+      <p:bldP spid="3" grpId="0" animBg="1"/>
+      <p:bldP spid="6" grpId="0" animBg="1"/>
+      <p:bldP spid="7" grpId="0" animBg="1"/>
+      <p:bldP spid="8" grpId="0" animBg="1"/>
+      <p:bldP spid="10" grpId="0" animBg="1"/>
+      <p:bldP spid="11" grpId="0" animBg="1"/>
+      <p:bldP spid="18" grpId="0" animBg="1"/>
+      <p:bldP spid="20" grpId="0" animBg="1"/>
+      <p:bldP spid="17" grpId="0" animBg="1"/>
       <p:bldP spid="15" grpId="0" animBg="1"/>
-      <p:bldP spid="17" grpId="0" animBg="1"/>
     </p:bldLst>
   </p:timing>
+</p:sld>
+</file>
+
+<file path=ppt/slides/slide8.xml><?xml version="1.0" encoding="utf-8"?>
+<p:sld xmlns:a="http://schemas.openxmlformats.org/drawingml/2006/main" xmlns:r="http://schemas.openxmlformats.org/officeDocument/2006/relationships" xmlns:p="http://schemas.openxmlformats.org/presentationml/2006/main">
+  <p:cSld>
+    <p:bg>
+      <p:bgPr>
+        <a:solidFill>
+          <a:schemeClr val="bg1"/>
+        </a:solidFill>
+        <a:effectLst/>
+      </p:bgPr>
+    </p:bg>
+    <p:spTree>
+      <p:nvGrpSpPr>
+        <p:cNvPr id="1" name=""/>
+        <p:cNvGrpSpPr/>
+        <p:nvPr/>
+      </p:nvGrpSpPr>
+      <p:grpSpPr>
+        <a:xfrm>
+          <a:off x="0" y="0"/>
+          <a:ext cx="0" cy="0"/>
+          <a:chOff x="0" y="0"/>
+          <a:chExt cx="0" cy="0"/>
+        </a:xfrm>
+      </p:grpSpPr>
+      <p:sp>
+        <p:nvSpPr>
+          <p:cNvPr id="2" name="Title 1">
+            <a:extLst>
+              <a:ext uri="{FF2B5EF4-FFF2-40B4-BE49-F238E27FC236}">
+                <a16:creationId xmlns:a16="http://schemas.microsoft.com/office/drawing/2014/main" id="{F30AAB96-CCD4-4369-A474-09BB16F616DD}"/>
+              </a:ext>
+            </a:extLst>
+          </p:cNvPr>
+          <p:cNvSpPr>
+            <a:spLocks noGrp="1"/>
+          </p:cNvSpPr>
+          <p:nvPr>
+            <p:ph type="title"/>
+          </p:nvPr>
+        </p:nvSpPr>
+        <p:spPr>
+          <a:xfrm>
+            <a:off x="4485478" y="630655"/>
+            <a:ext cx="6274590" cy="934196"/>
+          </a:xfrm>
+          <a:noFill/>
+        </p:spPr>
+        <p:txBody>
+          <a:bodyPr vert="horz" lIns="91440" tIns="45720" rIns="91440" bIns="45720" rtlCol="0" anchor="b">
+            <a:normAutofit fontScale="90000"/>
+          </a:bodyPr>
+          <a:lstStyle/>
+          <a:p>
+            <a:r>
+              <a:rPr lang="en-US" sz="6000" dirty="0"/>
+              <a:t>The trouble with time</a:t>
+            </a:r>
+          </a:p>
+        </p:txBody>
+      </p:sp>
+      <p:pic>
+        <p:nvPicPr>
+          <p:cNvPr id="4" name="Picture 3">
+            <a:extLst>
+              <a:ext uri="{FF2B5EF4-FFF2-40B4-BE49-F238E27FC236}">
+                <a16:creationId xmlns:a16="http://schemas.microsoft.com/office/drawing/2014/main" id="{19D09908-0230-4C7E-ABD1-455A6AE7EF52}"/>
+              </a:ext>
+            </a:extLst>
+          </p:cNvPr>
+          <p:cNvPicPr>
+            <a:picLocks noChangeAspect="1"/>
+          </p:cNvPicPr>
+          <p:nvPr/>
+        </p:nvPicPr>
+        <p:blipFill>
+          <a:blip r:embed="rId2">
+            <a:extLst>
+              <a:ext uri="{28A0092B-C50C-407E-A947-70E740481C1C}">
+                <a14:useLocalDpi xmlns:a14="http://schemas.microsoft.com/office/drawing/2010/main" val="0"/>
+              </a:ext>
+              <a:ext uri="{837473B0-CC2E-450A-ABE3-18F120FF3D39}">
+                <a1611:picAttrSrcUrl xmlns:a1611="http://schemas.microsoft.com/office/drawing/2016/11/main" r:id="rId3"/>
+              </a:ext>
+            </a:extLst>
+          </a:blip>
+          <a:srcRect/>
+          <a:stretch/>
+        </p:blipFill>
+        <p:spPr>
+          <a:xfrm rot="5400000">
+            <a:off x="-1629043" y="1629042"/>
+            <a:ext cx="6859124" cy="3601039"/>
+          </a:xfrm>
+          <a:prstGeom prst="rect">
+            <a:avLst/>
+          </a:prstGeom>
+        </p:spPr>
+      </p:pic>
+      <p:sp>
+        <p:nvSpPr>
+          <p:cNvPr id="5" name="Title 1">
+            <a:extLst>
+              <a:ext uri="{FF2B5EF4-FFF2-40B4-BE49-F238E27FC236}">
+                <a16:creationId xmlns:a16="http://schemas.microsoft.com/office/drawing/2014/main" id="{1F08416E-82F1-43B7-88E3-2C87E2B9CCD1}"/>
+              </a:ext>
+            </a:extLst>
+          </p:cNvPr>
+          <p:cNvSpPr txBox="1">
+            <a:spLocks/>
+          </p:cNvSpPr>
+          <p:nvPr/>
+        </p:nvSpPr>
+        <p:spPr>
+          <a:xfrm>
+            <a:off x="4485478" y="1926083"/>
+            <a:ext cx="6732419" cy="2240565"/>
+          </a:xfrm>
+          <a:prstGeom prst="rect">
+            <a:avLst/>
+          </a:prstGeom>
+        </p:spPr>
+        <p:txBody>
+          <a:bodyPr vert="horz" lIns="91440" tIns="45720" rIns="91440" bIns="45720" rtlCol="0" anchor="ctr">
+            <a:normAutofit/>
+          </a:bodyPr>
+          <a:lstStyle>
+            <a:lvl1pPr algn="l" defTabSz="914400" rtl="0" eaLnBrk="1" latinLnBrk="0" hangingPunct="1">
+              <a:lnSpc>
+                <a:spcPct val="90000"/>
+              </a:lnSpc>
+              <a:spcBef>
+                <a:spcPct val="0"/>
+              </a:spcBef>
+              <a:buNone/>
+              <a:defRPr sz="4400" kern="1200">
+                <a:solidFill>
+                  <a:schemeClr val="tx1"/>
+                </a:solidFill>
+                <a:latin typeface="+mj-lt"/>
+                <a:ea typeface="+mj-ea"/>
+                <a:cs typeface="+mj-cs"/>
+              </a:defRPr>
+            </a:lvl1pPr>
+          </a:lstStyle>
+          <a:p>
+            <a:r>
+              <a:rPr lang="en-IE" dirty="0">
+                <a:solidFill>
+                  <a:schemeClr val="accent1">
+                    <a:lumMod val="75000"/>
+                  </a:schemeClr>
+                </a:solidFill>
+              </a:rPr>
+              <a:t>No “entity” can know the </a:t>
+            </a:r>
+            <a:r>
+              <a:rPr lang="en-IE" u="sng" dirty="0">
+                <a:solidFill>
+                  <a:schemeClr val="accent1">
+                    <a:lumMod val="75000"/>
+                  </a:schemeClr>
+                </a:solidFill>
+              </a:rPr>
+              <a:t>present</a:t>
+            </a:r>
+            <a:r>
+              <a:rPr lang="en-IE" dirty="0">
+                <a:solidFill>
+                  <a:schemeClr val="accent1">
+                    <a:lumMod val="75000"/>
+                  </a:schemeClr>
+                </a:solidFill>
+              </a:rPr>
+              <a:t> state of any other entity</a:t>
+            </a:r>
+            <a:endParaRPr lang="en-IE" b="1" dirty="0">
+              <a:solidFill>
+                <a:schemeClr val="accent1">
+                  <a:lumMod val="75000"/>
+                </a:schemeClr>
+              </a:solidFill>
+            </a:endParaRPr>
+          </a:p>
+        </p:txBody>
+      </p:sp>
+    </p:spTree>
+    <p:extLst>
+      <p:ext uri="{BB962C8B-B14F-4D97-AF65-F5344CB8AC3E}">
+        <p14:creationId xmlns:p14="http://schemas.microsoft.com/office/powerpoint/2010/main" val="211247977"/>
+      </p:ext>
+    </p:extLst>
+  </p:cSld>
+  <p:clrMapOvr>
+    <a:masterClrMapping/>
+  </p:clrMapOvr>
+</p:sld>
+</file>
+
+<file path=ppt/slides/slide9.xml><?xml version="1.0" encoding="utf-8"?>
+<p:sld xmlns:a="http://schemas.openxmlformats.org/drawingml/2006/main" xmlns:r="http://schemas.openxmlformats.org/officeDocument/2006/relationships" xmlns:p="http://schemas.openxmlformats.org/presentationml/2006/main">
+  <p:cSld>
+    <p:bg>
+      <p:bgPr>
+        <a:solidFill>
+          <a:schemeClr val="bg1"/>
+        </a:solidFill>
+        <a:effectLst/>
+      </p:bgPr>
+    </p:bg>
+    <p:spTree>
+      <p:nvGrpSpPr>
+        <p:cNvPr id="1" name=""/>
+        <p:cNvGrpSpPr/>
+        <p:nvPr/>
+      </p:nvGrpSpPr>
+      <p:grpSpPr>
+        <a:xfrm>
+          <a:off x="0" y="0"/>
+          <a:ext cx="0" cy="0"/>
+          <a:chOff x="0" y="0"/>
+          <a:chExt cx="0" cy="0"/>
+        </a:xfrm>
+      </p:grpSpPr>
+      <p:sp>
+        <p:nvSpPr>
+          <p:cNvPr id="2" name="Title 1">
+            <a:extLst>
+              <a:ext uri="{FF2B5EF4-FFF2-40B4-BE49-F238E27FC236}">
+                <a16:creationId xmlns:a16="http://schemas.microsoft.com/office/drawing/2014/main" id="{F30AAB96-CCD4-4369-A474-09BB16F616DD}"/>
+              </a:ext>
+            </a:extLst>
+          </p:cNvPr>
+          <p:cNvSpPr>
+            <a:spLocks noGrp="1"/>
+          </p:cNvSpPr>
+          <p:nvPr>
+            <p:ph type="title"/>
+          </p:nvPr>
+        </p:nvSpPr>
+        <p:spPr>
+          <a:xfrm>
+            <a:off x="5277329" y="640081"/>
+            <a:ext cx="6274590" cy="934196"/>
+          </a:xfrm>
+          <a:noFill/>
+        </p:spPr>
+        <p:txBody>
+          <a:bodyPr vert="horz" lIns="91440" tIns="45720" rIns="91440" bIns="45720" rtlCol="0" anchor="b">
+            <a:normAutofit/>
+          </a:bodyPr>
+          <a:lstStyle/>
+          <a:p>
+            <a:r>
+              <a:rPr lang="en-US" sz="6000" dirty="0"/>
+              <a:t>The big take-away</a:t>
+            </a:r>
+          </a:p>
+        </p:txBody>
+      </p:sp>
+      <p:pic>
+        <p:nvPicPr>
+          <p:cNvPr id="4" name="Picture 3">
+            <a:extLst>
+              <a:ext uri="{FF2B5EF4-FFF2-40B4-BE49-F238E27FC236}">
+                <a16:creationId xmlns:a16="http://schemas.microsoft.com/office/drawing/2014/main" id="{19D09908-0230-4C7E-ABD1-455A6AE7EF52}"/>
+              </a:ext>
+            </a:extLst>
+          </p:cNvPr>
+          <p:cNvPicPr>
+            <a:picLocks noChangeAspect="1"/>
+          </p:cNvPicPr>
+          <p:nvPr/>
+        </p:nvPicPr>
+        <p:blipFill>
+          <a:blip r:embed="rId2">
+            <a:extLst>
+              <a:ext uri="{28A0092B-C50C-407E-A947-70E740481C1C}">
+                <a14:useLocalDpi xmlns:a14="http://schemas.microsoft.com/office/drawing/2010/main" val="0"/>
+              </a:ext>
+              <a:ext uri="{837473B0-CC2E-450A-ABE3-18F120FF3D39}">
+                <a1611:picAttrSrcUrl xmlns:a1611="http://schemas.microsoft.com/office/drawing/2016/11/main" r:id="rId3"/>
+              </a:ext>
+            </a:extLst>
+          </a:blip>
+          <a:srcRect/>
+          <a:stretch/>
+        </p:blipFill>
+        <p:spPr>
+          <a:xfrm>
+            <a:off x="0" y="0"/>
+            <a:ext cx="4590853" cy="6858000"/>
+          </a:xfrm>
+          <a:prstGeom prst="rect">
+            <a:avLst/>
+          </a:prstGeom>
+        </p:spPr>
+      </p:pic>
+      <p:sp>
+        <p:nvSpPr>
+          <p:cNvPr id="5" name="Title 1">
+            <a:extLst>
+              <a:ext uri="{FF2B5EF4-FFF2-40B4-BE49-F238E27FC236}">
+                <a16:creationId xmlns:a16="http://schemas.microsoft.com/office/drawing/2014/main" id="{1F08416E-82F1-43B7-88E3-2C87E2B9CCD1}"/>
+              </a:ext>
+            </a:extLst>
+          </p:cNvPr>
+          <p:cNvSpPr txBox="1">
+            <a:spLocks/>
+          </p:cNvSpPr>
+          <p:nvPr/>
+        </p:nvSpPr>
+        <p:spPr>
+          <a:xfrm>
+            <a:off x="5165682" y="2829909"/>
+            <a:ext cx="8070054" cy="1045059"/>
+          </a:xfrm>
+          <a:prstGeom prst="rect">
+            <a:avLst/>
+          </a:prstGeom>
+        </p:spPr>
+        <p:txBody>
+          <a:bodyPr vert="horz" lIns="91440" tIns="45720" rIns="91440" bIns="45720" rtlCol="0" anchor="ctr">
+            <a:normAutofit/>
+          </a:bodyPr>
+          <a:lstStyle>
+            <a:lvl1pPr algn="l" defTabSz="914400" rtl="0" eaLnBrk="1" latinLnBrk="0" hangingPunct="1">
+              <a:lnSpc>
+                <a:spcPct val="90000"/>
+              </a:lnSpc>
+              <a:spcBef>
+                <a:spcPct val="0"/>
+              </a:spcBef>
+              <a:buNone/>
+              <a:defRPr sz="4400" kern="1200">
+                <a:solidFill>
+                  <a:schemeClr val="tx1"/>
+                </a:solidFill>
+                <a:latin typeface="+mj-lt"/>
+                <a:ea typeface="+mj-ea"/>
+                <a:cs typeface="+mj-cs"/>
+              </a:defRPr>
+            </a:lvl1pPr>
+          </a:lstStyle>
+          <a:p>
+            <a:r>
+              <a:rPr lang="en-IE" dirty="0">
+                <a:solidFill>
+                  <a:schemeClr val="accent1">
+                    <a:lumMod val="75000"/>
+                  </a:schemeClr>
+                </a:solidFill>
+              </a:rPr>
+              <a:t>What do you mean by </a:t>
+            </a:r>
+            <a:r>
+              <a:rPr lang="en-IE" b="1" dirty="0">
+                <a:solidFill>
+                  <a:schemeClr val="accent1">
+                    <a:lumMod val="75000"/>
+                  </a:schemeClr>
+                </a:solidFill>
+              </a:rPr>
+              <a:t>“is”</a:t>
+            </a:r>
+            <a:r>
+              <a:rPr lang="en-IE" dirty="0">
+                <a:solidFill>
+                  <a:schemeClr val="accent1">
+                    <a:lumMod val="75000"/>
+                  </a:schemeClr>
+                </a:solidFill>
+              </a:rPr>
+              <a:t>?</a:t>
+            </a:r>
+            <a:endParaRPr lang="en-IE" b="1" dirty="0">
+              <a:solidFill>
+                <a:schemeClr val="accent1">
+                  <a:lumMod val="75000"/>
+                </a:schemeClr>
+              </a:solidFill>
+            </a:endParaRPr>
+          </a:p>
+        </p:txBody>
+      </p:sp>
+    </p:spTree>
+    <p:extLst>
+      <p:ext uri="{BB962C8B-B14F-4D97-AF65-F5344CB8AC3E}">
+        <p14:creationId xmlns:p14="http://schemas.microsoft.com/office/powerpoint/2010/main" val="2405629391"/>
+      </p:ext>
+    </p:extLst>
+  </p:cSld>
+  <p:clrMapOvr>
+    <a:masterClrMapping/>
+  </p:clrMapOvr>
 </p:sld>
 </file>
 

--- a/A question of state.pptx
+++ b/A question of state.pptx
@@ -269,7 +269,7 @@
           <a:p>
             <a:fld id="{937972C6-B185-4251-B50B-52880A15AD10}" type="datetimeFigureOut">
               <a:rPr lang="en-IE" smtClean="0"/>
-              <a:t>03/02/2021</a:t>
+              <a:t>28/09/2021</a:t>
             </a:fld>
             <a:endParaRPr lang="en-IE"/>
           </a:p>
@@ -469,7 +469,7 @@
           <a:p>
             <a:fld id="{937972C6-B185-4251-B50B-52880A15AD10}" type="datetimeFigureOut">
               <a:rPr lang="en-IE" smtClean="0"/>
-              <a:t>03/02/2021</a:t>
+              <a:t>28/09/2021</a:t>
             </a:fld>
             <a:endParaRPr lang="en-IE"/>
           </a:p>
@@ -679,7 +679,7 @@
           <a:p>
             <a:fld id="{937972C6-B185-4251-B50B-52880A15AD10}" type="datetimeFigureOut">
               <a:rPr lang="en-IE" smtClean="0"/>
-              <a:t>03/02/2021</a:t>
+              <a:t>28/09/2021</a:t>
             </a:fld>
             <a:endParaRPr lang="en-IE"/>
           </a:p>
@@ -879,7 +879,7 @@
           <a:p>
             <a:fld id="{937972C6-B185-4251-B50B-52880A15AD10}" type="datetimeFigureOut">
               <a:rPr lang="en-IE" smtClean="0"/>
-              <a:t>03/02/2021</a:t>
+              <a:t>28/09/2021</a:t>
             </a:fld>
             <a:endParaRPr lang="en-IE"/>
           </a:p>
@@ -1155,7 +1155,7 @@
           <a:p>
             <a:fld id="{937972C6-B185-4251-B50B-52880A15AD10}" type="datetimeFigureOut">
               <a:rPr lang="en-IE" smtClean="0"/>
-              <a:t>03/02/2021</a:t>
+              <a:t>28/09/2021</a:t>
             </a:fld>
             <a:endParaRPr lang="en-IE"/>
           </a:p>
@@ -1423,7 +1423,7 @@
           <a:p>
             <a:fld id="{937972C6-B185-4251-B50B-52880A15AD10}" type="datetimeFigureOut">
               <a:rPr lang="en-IE" smtClean="0"/>
-              <a:t>03/02/2021</a:t>
+              <a:t>28/09/2021</a:t>
             </a:fld>
             <a:endParaRPr lang="en-IE"/>
           </a:p>
@@ -1838,7 +1838,7 @@
           <a:p>
             <a:fld id="{937972C6-B185-4251-B50B-52880A15AD10}" type="datetimeFigureOut">
               <a:rPr lang="en-IE" smtClean="0"/>
-              <a:t>03/02/2021</a:t>
+              <a:t>28/09/2021</a:t>
             </a:fld>
             <a:endParaRPr lang="en-IE"/>
           </a:p>
@@ -1980,7 +1980,7 @@
           <a:p>
             <a:fld id="{937972C6-B185-4251-B50B-52880A15AD10}" type="datetimeFigureOut">
               <a:rPr lang="en-IE" smtClean="0"/>
-              <a:t>03/02/2021</a:t>
+              <a:t>28/09/2021</a:t>
             </a:fld>
             <a:endParaRPr lang="en-IE"/>
           </a:p>
@@ -2093,7 +2093,7 @@
           <a:p>
             <a:fld id="{937972C6-B185-4251-B50B-52880A15AD10}" type="datetimeFigureOut">
               <a:rPr lang="en-IE" smtClean="0"/>
-              <a:t>03/02/2021</a:t>
+              <a:t>28/09/2021</a:t>
             </a:fld>
             <a:endParaRPr lang="en-IE"/>
           </a:p>
@@ -2406,7 +2406,7 @@
           <a:p>
             <a:fld id="{937972C6-B185-4251-B50B-52880A15AD10}" type="datetimeFigureOut">
               <a:rPr lang="en-IE" smtClean="0"/>
-              <a:t>03/02/2021</a:t>
+              <a:t>28/09/2021</a:t>
             </a:fld>
             <a:endParaRPr lang="en-IE"/>
           </a:p>
@@ -2695,7 +2695,7 @@
           <a:p>
             <a:fld id="{937972C6-B185-4251-B50B-52880A15AD10}" type="datetimeFigureOut">
               <a:rPr lang="en-IE" smtClean="0"/>
-              <a:t>03/02/2021</a:t>
+              <a:t>28/09/2021</a:t>
             </a:fld>
             <a:endParaRPr lang="en-IE"/>
           </a:p>
@@ -2938,7 +2938,7 @@
           <a:p>
             <a:fld id="{937972C6-B185-4251-B50B-52880A15AD10}" type="datetimeFigureOut">
               <a:rPr lang="en-IE" smtClean="0"/>
-              <a:t>03/02/2021</a:t>
+              <a:t>28/09/2021</a:t>
             </a:fld>
             <a:endParaRPr lang="en-IE"/>
           </a:p>
